--- a/Report/MIDTERM.pptx
+++ b/Report/MIDTERM.pptx
@@ -5408,22 +5408,13 @@
         </a:p>
         <a:p>
           <a:r>
-            <a:rPr lang="fr-CH" sz="1700" b="1" dirty="0" err="1">
-              <a:solidFill>
-                <a:schemeClr val="tx1"/>
-              </a:solidFill>
-              <a:latin typeface="+mn-lt"/>
-            </a:rPr>
-            <a:t>Aerofoil</a:t>
-          </a:r>
-          <a:r>
             <a:rPr lang="fr-CH" sz="1700" b="1" dirty="0">
               <a:solidFill>
                 <a:schemeClr val="tx1"/>
               </a:solidFill>
               <a:latin typeface="+mn-lt"/>
             </a:rPr>
-            <a:t> </a:t>
+            <a:t>Aerofoil </a:t>
           </a:r>
           <a:r>
             <a:rPr lang="fr-CH" sz="1700" b="1" dirty="0" err="1">
@@ -8763,22 +8754,13 @@
             <a:buNone/>
           </a:pPr>
           <a:r>
-            <a:rPr lang="fr-CH" sz="1700" b="1" kern="1200" dirty="0" err="1">
-              <a:solidFill>
-                <a:schemeClr val="tx1"/>
-              </a:solidFill>
-              <a:latin typeface="+mn-lt"/>
-            </a:rPr>
-            <a:t>Aerofoil</a:t>
-          </a:r>
-          <a:r>
             <a:rPr lang="fr-CH" sz="1700" b="1" kern="1200" dirty="0">
               <a:solidFill>
                 <a:schemeClr val="tx1"/>
               </a:solidFill>
               <a:latin typeface="+mn-lt"/>
             </a:rPr>
-            <a:t> </a:t>
+            <a:t>Aerofoil </a:t>
           </a:r>
           <a:r>
             <a:rPr lang="fr-CH" sz="1700" b="1" kern="1200" dirty="0" err="1">
@@ -16551,7 +16533,7 @@
           <a:p>
             <a:fld id="{7A4C169A-1220-4B42-953D-8968223BCA9D}" type="datetimeFigureOut">
               <a:rPr lang="fr-CH" smtClean="0"/>
-              <a:t>29.10.2018</a:t>
+              <a:t>03.12.2018</a:t>
             </a:fld>
             <a:endParaRPr lang="fr-CH"/>
           </a:p>
@@ -16632,7 +16614,7 @@
           <a:p>
             <a:fld id="{ED580F5D-F879-48BC-AB61-5C282519B459}" type="slidenum">
               <a:rPr lang="fr-CH" smtClean="0"/>
-              <a:t>‹#›</a:t>
+              <a:t>‹N°›</a:t>
             </a:fld>
             <a:endParaRPr lang="fr-CH"/>
           </a:p>
@@ -16732,7 +16714,7 @@
           <a:p>
             <a:fld id="{4777CC44-3BA5-E143-B780-7AA02CFEA3D2}" type="datetimeFigureOut">
               <a:rPr lang="fr-FR" smtClean="0"/>
-              <a:t>29/10/2018</a:t>
+              <a:t>03/12/2018</a:t>
             </a:fld>
             <a:endParaRPr lang="fr-FR"/>
           </a:p>
@@ -16893,7 +16875,7 @@
           <a:p>
             <a:fld id="{2AB5D27E-6000-7E4B-A366-5EDBC4F15408}" type="slidenum">
               <a:rPr lang="fr-FR" smtClean="0"/>
-              <a:t>‹#›</a:t>
+              <a:t>‹N°›</a:t>
             </a:fld>
             <a:endParaRPr lang="fr-FR"/>
           </a:p>
@@ -18535,12 +18517,8 @@
           </a:p>
           <a:p>
             <a:r>
-              <a:rPr lang="fr-CH" dirty="0" err="1"/>
-              <a:t>Aerofoil</a:t>
-            </a:r>
-            <a:r>
               <a:rPr lang="fr-CH" dirty="0"/>
-              <a:t> = cross </a:t>
+              <a:t>Aerofoil = cross </a:t>
             </a:r>
             <a:r>
               <a:rPr lang="fr-CH" dirty="0" err="1"/>
@@ -19616,12 +19594,8 @@
           </a:p>
           <a:p>
             <a:r>
-              <a:rPr lang="fr-CH" dirty="0" err="1"/>
-              <a:t>Aerofoil</a:t>
-            </a:r>
-            <a:r>
               <a:rPr lang="fr-CH" dirty="0"/>
-              <a:t> = cross section</a:t>
+              <a:t>Aerofoil = cross section</a:t>
             </a:r>
           </a:p>
           <a:p>
@@ -20221,7 +20195,7 @@
           <a:p>
             <a:fld id="{19338AA8-AB00-47F6-A52E-C02B380056E0}" type="datetime1">
               <a:rPr lang="fr-CH" smtClean="0"/>
-              <a:t>29.10.2018</a:t>
+              <a:t>03.12.2018</a:t>
             </a:fld>
             <a:endParaRPr lang="fr-CH"/>
           </a:p>
@@ -20266,7 +20240,7 @@
           <a:p>
             <a:fld id="{C5BDCE95-9A2C-4CF6-AC2F-5E8F5B23B560}" type="slidenum">
               <a:rPr lang="fr-CH" smtClean="0"/>
-              <a:t>‹#›</a:t>
+              <a:t>‹N°›</a:t>
             </a:fld>
             <a:endParaRPr lang="fr-CH"/>
           </a:p>
@@ -20394,7 +20368,7 @@
           <a:p>
             <a:fld id="{D43335B8-C336-4CA9-A908-7EF5938D9A90}" type="datetime1">
               <a:rPr lang="fr-CH" smtClean="0"/>
-              <a:t>29.10.2018</a:t>
+              <a:t>03.12.2018</a:t>
             </a:fld>
             <a:endParaRPr lang="fr-CH"/>
           </a:p>
@@ -20439,7 +20413,7 @@
           <a:p>
             <a:fld id="{C5BDCE95-9A2C-4CF6-AC2F-5E8F5B23B560}" type="slidenum">
               <a:rPr lang="fr-CH" smtClean="0"/>
-              <a:t>‹#›</a:t>
+              <a:t>‹N°›</a:t>
             </a:fld>
             <a:endParaRPr lang="fr-CH"/>
           </a:p>
@@ -20577,7 +20551,7 @@
           <a:p>
             <a:fld id="{E9F5A68A-FEC5-4141-851D-D49EC4A60C9A}" type="datetime1">
               <a:rPr lang="fr-CH" smtClean="0"/>
-              <a:t>29.10.2018</a:t>
+              <a:t>03.12.2018</a:t>
             </a:fld>
             <a:endParaRPr lang="fr-CH"/>
           </a:p>
@@ -20622,7 +20596,7 @@
           <a:p>
             <a:fld id="{C5BDCE95-9A2C-4CF6-AC2F-5E8F5B23B560}" type="slidenum">
               <a:rPr lang="fr-CH" smtClean="0"/>
-              <a:t>‹#›</a:t>
+              <a:t>‹N°›</a:t>
             </a:fld>
             <a:endParaRPr lang="fr-CH"/>
           </a:p>
@@ -20867,7 +20841,7 @@
           <a:p>
             <a:fld id="{ABFC9C46-D19E-49E5-8B8E-0F695CD54D36}" type="datetime1">
               <a:rPr lang="fr-CH" smtClean="0"/>
-              <a:t>29.10.2018</a:t>
+              <a:t>03.12.2018</a:t>
             </a:fld>
             <a:endParaRPr lang="fr-CH"/>
           </a:p>
@@ -20912,7 +20886,7 @@
           <a:p>
             <a:fld id="{C5BDCE95-9A2C-4CF6-AC2F-5E8F5B23B560}" type="slidenum">
               <a:rPr lang="fr-CH" smtClean="0"/>
-              <a:t>‹#›</a:t>
+              <a:t>‹N°›</a:t>
             </a:fld>
             <a:endParaRPr lang="fr-CH"/>
           </a:p>
@@ -21083,7 +21057,7 @@
           <a:p>
             <a:fld id="{ECE915BF-2EBA-40DA-ACA2-BAC9FEC6D45F}" type="datetime1">
               <a:rPr lang="fr-CH" smtClean="0"/>
-              <a:t>29.10.2018</a:t>
+              <a:t>03.12.2018</a:t>
             </a:fld>
             <a:endParaRPr lang="fr-CH"/>
           </a:p>
@@ -21128,7 +21102,7 @@
           <a:p>
             <a:fld id="{C5BDCE95-9A2C-4CF6-AC2F-5E8F5B23B560}" type="slidenum">
               <a:rPr lang="fr-CH" smtClean="0"/>
-              <a:t>‹#›</a:t>
+              <a:t>‹N°›</a:t>
             </a:fld>
             <a:endParaRPr lang="fr-CH"/>
           </a:p>
@@ -21429,7 +21403,7 @@
           <a:p>
             <a:fld id="{B2D84D36-6867-4F5B-BB5D-B0D445DDF8BD}" type="datetime1">
               <a:rPr lang="fr-CH" smtClean="0"/>
-              <a:t>29.10.2018</a:t>
+              <a:t>03.12.2018</a:t>
             </a:fld>
             <a:endParaRPr lang="fr-CH"/>
           </a:p>
@@ -21474,7 +21448,7 @@
           <a:p>
             <a:fld id="{C5BDCE95-9A2C-4CF6-AC2F-5E8F5B23B560}" type="slidenum">
               <a:rPr lang="fr-CH" smtClean="0"/>
-              <a:t>‹#›</a:t>
+              <a:t>‹N°›</a:t>
             </a:fld>
             <a:endParaRPr lang="fr-CH"/>
           </a:p>
@@ -21707,7 +21681,7 @@
           <a:p>
             <a:fld id="{B7D984B7-4139-41A1-9E72-D2C1ED32CB64}" type="datetime1">
               <a:rPr lang="fr-CH" smtClean="0"/>
-              <a:t>29.10.2018</a:t>
+              <a:t>03.12.2018</a:t>
             </a:fld>
             <a:endParaRPr lang="fr-CH"/>
           </a:p>
@@ -21752,7 +21726,7 @@
           <a:p>
             <a:fld id="{C5BDCE95-9A2C-4CF6-AC2F-5E8F5B23B560}" type="slidenum">
               <a:rPr lang="fr-CH" smtClean="0"/>
-              <a:t>‹#›</a:t>
+              <a:t>‹N°›</a:t>
             </a:fld>
             <a:endParaRPr lang="fr-CH"/>
           </a:p>
@@ -22094,7 +22068,7 @@
           <a:p>
             <a:fld id="{EED9AB75-468F-4F56-B100-B8CDEFB06ACD}" type="datetime1">
               <a:rPr lang="fr-CH" smtClean="0"/>
-              <a:t>29.10.2018</a:t>
+              <a:t>03.12.2018</a:t>
             </a:fld>
             <a:endParaRPr lang="fr-CH"/>
           </a:p>
@@ -22139,7 +22113,7 @@
           <a:p>
             <a:fld id="{C5BDCE95-9A2C-4CF6-AC2F-5E8F5B23B560}" type="slidenum">
               <a:rPr lang="fr-CH" smtClean="0"/>
-              <a:t>‹#›</a:t>
+              <a:t>‹N°›</a:t>
             </a:fld>
             <a:endParaRPr lang="fr-CH"/>
           </a:p>
@@ -22220,7 +22194,7 @@
           <a:p>
             <a:fld id="{863148C7-4AD7-42B4-8B0D-598027C721E9}" type="datetime1">
               <a:rPr lang="fr-CH" smtClean="0"/>
-              <a:t>29.10.2018</a:t>
+              <a:t>03.12.2018</a:t>
             </a:fld>
             <a:endParaRPr lang="fr-CH"/>
           </a:p>
@@ -22265,7 +22239,7 @@
           <a:p>
             <a:fld id="{C5BDCE95-9A2C-4CF6-AC2F-5E8F5B23B560}" type="slidenum">
               <a:rPr lang="fr-CH" smtClean="0"/>
-              <a:t>‹#›</a:t>
+              <a:t>‹N°›</a:t>
             </a:fld>
             <a:endParaRPr lang="fr-CH"/>
           </a:p>
@@ -22394,7 +22368,7 @@
           <a:p>
             <a:fld id="{EAE80EEB-C91E-4758-97FD-15EA38C590EF}" type="datetime1">
               <a:rPr lang="fr-CH" smtClean="0"/>
-              <a:t>29.10.2018</a:t>
+              <a:t>03.12.2018</a:t>
             </a:fld>
             <a:endParaRPr lang="fr-CH"/>
           </a:p>
@@ -22447,7 +22421,7 @@
           <a:p>
             <a:fld id="{C5BDCE95-9A2C-4CF6-AC2F-5E8F5B23B560}" type="slidenum">
               <a:rPr lang="fr-CH" smtClean="0"/>
-              <a:t>‹#›</a:t>
+              <a:t>‹N°›</a:t>
             </a:fld>
             <a:endParaRPr lang="fr-CH"/>
           </a:p>
@@ -22756,7 +22730,7 @@
           <a:p>
             <a:fld id="{E920EC88-CD5B-4B39-BDD8-88ECAABA00A7}" type="datetime1">
               <a:rPr lang="fr-CH" smtClean="0"/>
-              <a:t>29.10.2018</a:t>
+              <a:t>03.12.2018</a:t>
             </a:fld>
             <a:endParaRPr lang="fr-CH"/>
           </a:p>
@@ -22822,7 +22796,7 @@
           <a:p>
             <a:fld id="{C5BDCE95-9A2C-4CF6-AC2F-5E8F5B23B560}" type="slidenum">
               <a:rPr lang="fr-CH" smtClean="0"/>
-              <a:t>‹#›</a:t>
+              <a:t>‹N°›</a:t>
             </a:fld>
             <a:endParaRPr lang="fr-CH"/>
           </a:p>
@@ -22955,7 +22929,7 @@
           <a:p>
             <a:fld id="{2C5CE6D8-56FE-4D39-818C-789E032FD7AA}" type="datetime1">
               <a:rPr lang="fr-CH" smtClean="0"/>
-              <a:t>29.10.2018</a:t>
+              <a:t>03.12.2018</a:t>
             </a:fld>
             <a:endParaRPr lang="fr-CH"/>
           </a:p>
@@ -23000,7 +22974,7 @@
           <a:p>
             <a:fld id="{C5BDCE95-9A2C-4CF6-AC2F-5E8F5B23B560}" type="slidenum">
               <a:rPr lang="fr-CH" smtClean="0"/>
-              <a:t>‹#›</a:t>
+              <a:t>‹N°›</a:t>
             </a:fld>
             <a:endParaRPr lang="fr-CH"/>
           </a:p>
@@ -23314,7 +23288,7 @@
           <a:p>
             <a:fld id="{565683B9-504B-4A2E-9163-4465CD15713D}" type="datetime1">
               <a:rPr lang="fr-CH" smtClean="0"/>
-              <a:t>29.10.2018</a:t>
+              <a:t>03.12.2018</a:t>
             </a:fld>
             <a:endParaRPr lang="fr-CH"/>
           </a:p>
@@ -23359,7 +23333,7 @@
           <a:p>
             <a:fld id="{C5BDCE95-9A2C-4CF6-AC2F-5E8F5B23B560}" type="slidenum">
               <a:rPr lang="fr-CH" smtClean="0"/>
-              <a:t>‹#›</a:t>
+              <a:t>‹N°›</a:t>
             </a:fld>
             <a:endParaRPr lang="fr-CH"/>
           </a:p>
@@ -23487,7 +23461,7 @@
           <a:p>
             <a:fld id="{2BDC39BC-7B21-4CC6-B18E-B4312F709F5C}" type="datetime1">
               <a:rPr lang="fr-CH" smtClean="0"/>
-              <a:t>29.10.2018</a:t>
+              <a:t>03.12.2018</a:t>
             </a:fld>
             <a:endParaRPr lang="fr-CH"/>
           </a:p>
@@ -23532,7 +23506,7 @@
           <a:p>
             <a:fld id="{C5BDCE95-9A2C-4CF6-AC2F-5E8F5B23B560}" type="slidenum">
               <a:rPr lang="fr-CH" smtClean="0"/>
-              <a:t>‹#›</a:t>
+              <a:t>‹N°›</a:t>
             </a:fld>
             <a:endParaRPr lang="fr-CH"/>
           </a:p>
@@ -23746,7 +23720,7 @@
           <a:p>
             <a:fld id="{D3BBBA8E-B6E0-458F-A7BE-805B2A73F184}" type="datetime1">
               <a:rPr lang="fr-CH" smtClean="0"/>
-              <a:t>29.10.2018</a:t>
+              <a:t>03.12.2018</a:t>
             </a:fld>
             <a:endParaRPr lang="fr-CH"/>
           </a:p>
@@ -23791,7 +23765,7 @@
           <a:p>
             <a:fld id="{C5BDCE95-9A2C-4CF6-AC2F-5E8F5B23B560}" type="slidenum">
               <a:rPr lang="fr-CH" smtClean="0"/>
-              <a:t>‹#›</a:t>
+              <a:t>‹N°›</a:t>
             </a:fld>
             <a:endParaRPr lang="fr-CH"/>
           </a:p>
@@ -24000,7 +23974,7 @@
           <a:p>
             <a:fld id="{47546A20-D025-4B4F-BA62-48072654D13F}" type="datetime1">
               <a:rPr lang="fr-CH" smtClean="0"/>
-              <a:t>29.10.2018</a:t>
+              <a:t>03.12.2018</a:t>
             </a:fld>
             <a:endParaRPr lang="fr-CH"/>
           </a:p>
@@ -24045,7 +24019,7 @@
           <a:p>
             <a:fld id="{C5BDCE95-9A2C-4CF6-AC2F-5E8F5B23B560}" type="slidenum">
               <a:rPr lang="fr-CH" smtClean="0"/>
-              <a:t>‹#›</a:t>
+              <a:t>‹N°›</a:t>
             </a:fld>
             <a:endParaRPr lang="fr-CH"/>
           </a:p>
@@ -24235,7 +24209,7 @@
           <a:p>
             <a:fld id="{50D571F2-AAC6-456F-A5C1-0608A74F1AD6}" type="datetime1">
               <a:rPr lang="fr-CH" smtClean="0"/>
-              <a:t>29.10.2018</a:t>
+              <a:t>03.12.2018</a:t>
             </a:fld>
             <a:endParaRPr lang="fr-CH"/>
           </a:p>
@@ -24280,7 +24254,7 @@
           <a:p>
             <a:fld id="{C5BDCE95-9A2C-4CF6-AC2F-5E8F5B23B560}" type="slidenum">
               <a:rPr lang="fr-CH" smtClean="0"/>
-              <a:t>‹#›</a:t>
+              <a:t>‹N°›</a:t>
             </a:fld>
             <a:endParaRPr lang="fr-CH"/>
           </a:p>
@@ -24585,7 +24559,7 @@
           <a:p>
             <a:fld id="{358F3861-5E9E-4334-B9B9-957EDCADE37B}" type="datetime1">
               <a:rPr lang="fr-CH" smtClean="0"/>
-              <a:t>29.10.2018</a:t>
+              <a:t>03.12.2018</a:t>
             </a:fld>
             <a:endParaRPr lang="fr-CH"/>
           </a:p>
@@ -24630,7 +24604,7 @@
           <a:p>
             <a:fld id="{C5BDCE95-9A2C-4CF6-AC2F-5E8F5B23B560}" type="slidenum">
               <a:rPr lang="fr-CH" smtClean="0"/>
-              <a:t>‹#›</a:t>
+              <a:t>‹N°›</a:t>
             </a:fld>
             <a:endParaRPr lang="fr-CH"/>
           </a:p>
@@ -24706,7 +24680,7 @@
           <a:p>
             <a:fld id="{69E5D8CB-CDF8-4CA5-95E8-98509A6021AD}" type="datetime1">
               <a:rPr lang="fr-CH" smtClean="0"/>
-              <a:t>29.10.2018</a:t>
+              <a:t>03.12.2018</a:t>
             </a:fld>
             <a:endParaRPr lang="fr-CH"/>
           </a:p>
@@ -24751,7 +24725,7 @@
           <a:p>
             <a:fld id="{C5BDCE95-9A2C-4CF6-AC2F-5E8F5B23B560}" type="slidenum">
               <a:rPr lang="fr-CH" smtClean="0"/>
-              <a:t>‹#›</a:t>
+              <a:t>‹N°›</a:t>
             </a:fld>
             <a:endParaRPr lang="fr-CH"/>
           </a:p>
@@ -24827,7 +24801,7 @@
           <a:p>
             <a:fld id="{A2912718-0DE0-4AB4-9B81-3D2CAC5826B2}" type="datetime1">
               <a:rPr lang="fr-CH" smtClean="0"/>
-              <a:t>29.10.2018</a:t>
+              <a:t>03.12.2018</a:t>
             </a:fld>
             <a:endParaRPr lang="fr-CH"/>
           </a:p>
@@ -24872,7 +24846,7 @@
           <a:p>
             <a:fld id="{C5BDCE95-9A2C-4CF6-AC2F-5E8F5B23B560}" type="slidenum">
               <a:rPr lang="fr-CH" smtClean="0"/>
-              <a:t>‹#›</a:t>
+              <a:t>‹N°›</a:t>
             </a:fld>
             <a:endParaRPr lang="fr-CH"/>
           </a:p>
@@ -25114,7 +25088,7 @@
           <a:p>
             <a:fld id="{9600091B-D431-4E8B-B88F-8FCEC22C29AD}" type="datetime1">
               <a:rPr lang="fr-CH" smtClean="0"/>
-              <a:t>29.10.2018</a:t>
+              <a:t>03.12.2018</a:t>
             </a:fld>
             <a:endParaRPr lang="fr-CH"/>
           </a:p>
@@ -25159,7 +25133,7 @@
           <a:p>
             <a:fld id="{C5BDCE95-9A2C-4CF6-AC2F-5E8F5B23B560}" type="slidenum">
               <a:rPr lang="fr-CH" smtClean="0"/>
-              <a:t>‹#›</a:t>
+              <a:t>‹N°›</a:t>
             </a:fld>
             <a:endParaRPr lang="fr-CH"/>
           </a:p>
@@ -25381,7 +25355,7 @@
           <a:p>
             <a:fld id="{05E7242E-0C8F-4FC5-AC59-EE029740C7FF}" type="datetime1">
               <a:rPr lang="fr-CH" smtClean="0"/>
-              <a:t>29.10.2018</a:t>
+              <a:t>03.12.2018</a:t>
             </a:fld>
             <a:endParaRPr lang="fr-CH"/>
           </a:p>
@@ -25426,7 +25400,7 @@
           <a:p>
             <a:fld id="{C5BDCE95-9A2C-4CF6-AC2F-5E8F5B23B560}" type="slidenum">
               <a:rPr lang="fr-CH" smtClean="0"/>
-              <a:t>‹#›</a:t>
+              <a:t>‹N°›</a:t>
             </a:fld>
             <a:endParaRPr lang="fr-CH"/>
           </a:p>
@@ -25598,7 +25572,7 @@
           <a:p>
             <a:fld id="{65A64017-90F2-4A9A-A326-5496BE4062DB}" type="datetime1">
               <a:rPr lang="fr-CH" smtClean="0"/>
-              <a:t>29.10.2018</a:t>
+              <a:t>03.12.2018</a:t>
             </a:fld>
             <a:endParaRPr lang="fr-CH"/>
           </a:p>
@@ -25680,7 +25654,7 @@
           <a:p>
             <a:fld id="{C5BDCE95-9A2C-4CF6-AC2F-5E8F5B23B560}" type="slidenum">
               <a:rPr lang="fr-CH" smtClean="0"/>
-              <a:t>‹#›</a:t>
+              <a:t>‹N°›</a:t>
             </a:fld>
             <a:endParaRPr lang="fr-CH"/>
           </a:p>
@@ -26205,7 +26179,7 @@
           <a:p>
             <a:fld id="{FF2BCF66-79A0-45F1-9F59-486442163168}" type="datetime1">
               <a:rPr lang="fr-CH" smtClean="0"/>
-              <a:t>29.10.2018</a:t>
+              <a:t>03.12.2018</a:t>
             </a:fld>
             <a:endParaRPr lang="fr-CH"/>
           </a:p>
@@ -26282,7 +26256,7 @@
           <a:p>
             <a:fld id="{C5BDCE95-9A2C-4CF6-AC2F-5E8F5B23B560}" type="slidenum">
               <a:rPr lang="fr-CH" smtClean="0"/>
-              <a:t>‹#›</a:t>
+              <a:t>‹N°›</a:t>
             </a:fld>
             <a:endParaRPr lang="fr-CH"/>
           </a:p>
@@ -31747,7 +31721,7 @@
         <p:spPr>
           <a:xfrm>
             <a:off x="843693" y="2096784"/>
-            <a:ext cx="4051858" cy="2028248"/>
+            <a:ext cx="1907320" cy="6294031"/>
           </a:xfrm>
           <a:prstGeom prst="rect">
             <a:avLst/>
@@ -31898,7 +31872,7 @@
         </p:nvSpPr>
         <p:spPr>
           <a:xfrm>
-            <a:off x="9378093" y="6013509"/>
+            <a:off x="653912" y="5484422"/>
             <a:ext cx="2719534" cy="523220"/>
           </a:xfrm>
           <a:prstGeom prst="rect">
@@ -33681,13 +33655,16 @@
               </a:ext>
             </a:extLst>
           </p:cNvPr>
-          <p:cNvCxnSpPr/>
+          <p:cNvCxnSpPr>
+            <a:cxnSpLocks/>
+            <a:stCxn id="61" idx="3"/>
+          </p:cNvCxnSpPr>
           <p:nvPr/>
         </p:nvCxnSpPr>
         <p:spPr>
           <a:xfrm>
-            <a:off x="5749776" y="4005062"/>
-            <a:ext cx="5666448" cy="0"/>
+            <a:off x="5776695" y="3978610"/>
+            <a:ext cx="5639529" cy="26453"/>
           </a:xfrm>
           <a:prstGeom prst="line">
             <a:avLst/>
@@ -33727,8 +33704,8 @@
         </p:nvSpPr>
         <p:spPr>
           <a:xfrm>
-            <a:off x="4370787" y="3809333"/>
-            <a:ext cx="1378990" cy="338554"/>
+            <a:off x="3777795" y="3809333"/>
+            <a:ext cx="1998900" cy="338554"/>
           </a:xfrm>
           <a:prstGeom prst="rect">
             <a:avLst/>
@@ -33743,7 +33720,7 @@
           <a:p>
             <a:r>
               <a:rPr lang="fr-CH" sz="1600" dirty="0"/>
-              <a:t>Cross-section</a:t>
+              <a:t>Aerofoil cross-section</a:t>
             </a:r>
           </a:p>
         </p:txBody>
@@ -34478,6 +34455,381 @@
           </a:p>
         </p:txBody>
       </p:sp>
+      <p:sp>
+        <p:nvSpPr>
+          <p:cNvPr id="2" name="ZoneTexte 1">
+            <a:extLst>
+              <a:ext uri="{FF2B5EF4-FFF2-40B4-BE49-F238E27FC236}">
+                <a16:creationId xmlns:a16="http://schemas.microsoft.com/office/drawing/2014/main" id="{34286220-F9CE-471F-8820-49CB3FDAE399}"/>
+              </a:ext>
+            </a:extLst>
+          </p:cNvPr>
+          <p:cNvSpPr txBox="1"/>
+          <p:nvPr/>
+        </p:nvSpPr>
+        <p:spPr>
+          <a:xfrm>
+            <a:off x="4648317" y="2936428"/>
+            <a:ext cx="1265084" cy="338554"/>
+          </a:xfrm>
+          <a:prstGeom prst="rect">
+            <a:avLst/>
+          </a:prstGeom>
+          <a:noFill/>
+        </p:spPr>
+        <p:txBody>
+          <a:bodyPr wrap="square" rtlCol="0">
+            <a:spAutoFit/>
+          </a:bodyPr>
+          <a:lstStyle/>
+          <a:p>
+            <a:r>
+              <a:rPr lang="en-GB" sz="1600" dirty="0"/>
+              <a:t>Above plan</a:t>
+            </a:r>
+          </a:p>
+        </p:txBody>
+      </p:sp>
+      <p:sp>
+        <p:nvSpPr>
+          <p:cNvPr id="60" name="ZoneTexte 59">
+            <a:extLst>
+              <a:ext uri="{FF2B5EF4-FFF2-40B4-BE49-F238E27FC236}">
+                <a16:creationId xmlns:a16="http://schemas.microsoft.com/office/drawing/2014/main" id="{056015C0-7429-41DE-B48A-0C241B500F4F}"/>
+              </a:ext>
+            </a:extLst>
+          </p:cNvPr>
+          <p:cNvSpPr txBox="1"/>
+          <p:nvPr/>
+        </p:nvSpPr>
+        <p:spPr>
+          <a:xfrm>
+            <a:off x="4644339" y="4615342"/>
+            <a:ext cx="1265084" cy="338554"/>
+          </a:xfrm>
+          <a:prstGeom prst="rect">
+            <a:avLst/>
+          </a:prstGeom>
+          <a:noFill/>
+        </p:spPr>
+        <p:txBody>
+          <a:bodyPr wrap="square" rtlCol="0">
+            <a:spAutoFit/>
+          </a:bodyPr>
+          <a:lstStyle/>
+          <a:p>
+            <a:r>
+              <a:rPr lang="en-GB" sz="1600" dirty="0"/>
+              <a:t>Below plan</a:t>
+            </a:r>
+          </a:p>
+        </p:txBody>
+      </p:sp>
+      <p:sp>
+        <p:nvSpPr>
+          <p:cNvPr id="62" name="ZoneTexte 61">
+            <a:extLst>
+              <a:ext uri="{FF2B5EF4-FFF2-40B4-BE49-F238E27FC236}">
+                <a16:creationId xmlns:a16="http://schemas.microsoft.com/office/drawing/2014/main" id="{3EAD1F84-35CB-4159-91C1-362CD935E34E}"/>
+              </a:ext>
+            </a:extLst>
+          </p:cNvPr>
+          <p:cNvSpPr txBox="1"/>
+          <p:nvPr/>
+        </p:nvSpPr>
+        <p:spPr>
+          <a:xfrm>
+            <a:off x="9733530" y="2801191"/>
+            <a:ext cx="1265084" cy="338554"/>
+          </a:xfrm>
+          <a:prstGeom prst="rect">
+            <a:avLst/>
+          </a:prstGeom>
+          <a:noFill/>
+        </p:spPr>
+        <p:txBody>
+          <a:bodyPr wrap="square" rtlCol="0">
+            <a:spAutoFit/>
+          </a:bodyPr>
+          <a:lstStyle/>
+          <a:p>
+            <a:r>
+              <a:rPr lang="en-GB" sz="1600" dirty="0"/>
+              <a:t>Upper edge</a:t>
+            </a:r>
+          </a:p>
+        </p:txBody>
+      </p:sp>
+      <p:sp>
+        <p:nvSpPr>
+          <p:cNvPr id="63" name="ZoneTexte 62">
+            <a:extLst>
+              <a:ext uri="{FF2B5EF4-FFF2-40B4-BE49-F238E27FC236}">
+                <a16:creationId xmlns:a16="http://schemas.microsoft.com/office/drawing/2014/main" id="{4202510F-D59A-47B9-9E94-4AF359FB7325}"/>
+              </a:ext>
+            </a:extLst>
+          </p:cNvPr>
+          <p:cNvSpPr txBox="1"/>
+          <p:nvPr/>
+        </p:nvSpPr>
+        <p:spPr>
+          <a:xfrm>
+            <a:off x="10241597" y="4584186"/>
+            <a:ext cx="1265084" cy="338554"/>
+          </a:xfrm>
+          <a:prstGeom prst="rect">
+            <a:avLst/>
+          </a:prstGeom>
+          <a:noFill/>
+        </p:spPr>
+        <p:txBody>
+          <a:bodyPr wrap="square" rtlCol="0">
+            <a:spAutoFit/>
+          </a:bodyPr>
+          <a:lstStyle/>
+          <a:p>
+            <a:r>
+              <a:rPr lang="en-GB" sz="1600" dirty="0"/>
+              <a:t>Upper edge</a:t>
+            </a:r>
+          </a:p>
+        </p:txBody>
+      </p:sp>
+      <p:sp>
+        <p:nvSpPr>
+          <p:cNvPr id="64" name="ZoneTexte 63">
+            <a:extLst>
+              <a:ext uri="{FF2B5EF4-FFF2-40B4-BE49-F238E27FC236}">
+                <a16:creationId xmlns:a16="http://schemas.microsoft.com/office/drawing/2014/main" id="{74FE990E-8DF3-4407-BD8E-643F905FB65E}"/>
+              </a:ext>
+            </a:extLst>
+          </p:cNvPr>
+          <p:cNvSpPr txBox="1"/>
+          <p:nvPr/>
+        </p:nvSpPr>
+        <p:spPr>
+          <a:xfrm>
+            <a:off x="6522771" y="5086813"/>
+            <a:ext cx="1265084" cy="338554"/>
+          </a:xfrm>
+          <a:prstGeom prst="rect">
+            <a:avLst/>
+          </a:prstGeom>
+          <a:noFill/>
+        </p:spPr>
+        <p:txBody>
+          <a:bodyPr wrap="square" rtlCol="0">
+            <a:spAutoFit/>
+          </a:bodyPr>
+          <a:lstStyle/>
+          <a:p>
+            <a:r>
+              <a:rPr lang="en-GB" sz="1600" dirty="0"/>
+              <a:t>Lower edge</a:t>
+            </a:r>
+          </a:p>
+        </p:txBody>
+      </p:sp>
+      <p:sp>
+        <p:nvSpPr>
+          <p:cNvPr id="65" name="ZoneTexte 64">
+            <a:extLst>
+              <a:ext uri="{FF2B5EF4-FFF2-40B4-BE49-F238E27FC236}">
+                <a16:creationId xmlns:a16="http://schemas.microsoft.com/office/drawing/2014/main" id="{09175F32-1B91-419D-AC17-7EACCC7AF5FC}"/>
+              </a:ext>
+            </a:extLst>
+          </p:cNvPr>
+          <p:cNvSpPr txBox="1"/>
+          <p:nvPr/>
+        </p:nvSpPr>
+        <p:spPr>
+          <a:xfrm>
+            <a:off x="6245539" y="3477617"/>
+            <a:ext cx="1265084" cy="338554"/>
+          </a:xfrm>
+          <a:prstGeom prst="rect">
+            <a:avLst/>
+          </a:prstGeom>
+          <a:noFill/>
+        </p:spPr>
+        <p:txBody>
+          <a:bodyPr wrap="square" rtlCol="0">
+            <a:spAutoFit/>
+          </a:bodyPr>
+          <a:lstStyle/>
+          <a:p>
+            <a:r>
+              <a:rPr lang="en-GB" sz="1600" dirty="0"/>
+              <a:t>Lower edge</a:t>
+            </a:r>
+          </a:p>
+        </p:txBody>
+      </p:sp>
+      <p:cxnSp>
+        <p:nvCxnSpPr>
+          <p:cNvPr id="13" name="Connecteur droit avec flèche 12">
+            <a:extLst>
+              <a:ext uri="{FF2B5EF4-FFF2-40B4-BE49-F238E27FC236}">
+                <a16:creationId xmlns:a16="http://schemas.microsoft.com/office/drawing/2014/main" id="{2DCE766E-CA5B-49D3-AD82-6C214518CD66}"/>
+              </a:ext>
+            </a:extLst>
+          </p:cNvPr>
+          <p:cNvCxnSpPr>
+            <a:cxnSpLocks/>
+          </p:cNvCxnSpPr>
+          <p:nvPr/>
+        </p:nvCxnSpPr>
+        <p:spPr>
+          <a:xfrm flipV="1">
+            <a:off x="6491484" y="3435875"/>
+            <a:ext cx="112518" cy="134670"/>
+          </a:xfrm>
+          <a:prstGeom prst="straightConnector1">
+            <a:avLst/>
+          </a:prstGeom>
+          <a:ln>
+            <a:tailEnd type="triangle"/>
+          </a:ln>
+        </p:spPr>
+        <p:style>
+          <a:lnRef idx="1">
+            <a:schemeClr val="dk1"/>
+          </a:lnRef>
+          <a:fillRef idx="0">
+            <a:schemeClr val="dk1"/>
+          </a:fillRef>
+          <a:effectRef idx="0">
+            <a:schemeClr val="dk1"/>
+          </a:effectRef>
+          <a:fontRef idx="minor">
+            <a:schemeClr val="tx1"/>
+          </a:fontRef>
+        </p:style>
+      </p:cxnSp>
+      <p:cxnSp>
+        <p:nvCxnSpPr>
+          <p:cNvPr id="66" name="Connecteur droit avec flèche 65">
+            <a:extLst>
+              <a:ext uri="{FF2B5EF4-FFF2-40B4-BE49-F238E27FC236}">
+                <a16:creationId xmlns:a16="http://schemas.microsoft.com/office/drawing/2014/main" id="{D5A487B8-3D4A-4866-A9A3-CD537161347F}"/>
+              </a:ext>
+            </a:extLst>
+          </p:cNvPr>
+          <p:cNvCxnSpPr>
+            <a:cxnSpLocks/>
+            <a:endCxn id="107" idx="1"/>
+          </p:cNvCxnSpPr>
+          <p:nvPr/>
+        </p:nvCxnSpPr>
+        <p:spPr>
+          <a:xfrm flipV="1">
+            <a:off x="6716960" y="5078466"/>
+            <a:ext cx="121679" cy="97061"/>
+          </a:xfrm>
+          <a:prstGeom prst="straightConnector1">
+            <a:avLst/>
+          </a:prstGeom>
+          <a:ln>
+            <a:tailEnd type="triangle"/>
+          </a:ln>
+        </p:spPr>
+        <p:style>
+          <a:lnRef idx="1">
+            <a:schemeClr val="dk1"/>
+          </a:lnRef>
+          <a:fillRef idx="0">
+            <a:schemeClr val="dk1"/>
+          </a:fillRef>
+          <a:effectRef idx="0">
+            <a:schemeClr val="dk1"/>
+          </a:effectRef>
+          <a:fontRef idx="minor">
+            <a:schemeClr val="tx1"/>
+          </a:fontRef>
+        </p:style>
+      </p:cxnSp>
+      <p:cxnSp>
+        <p:nvCxnSpPr>
+          <p:cNvPr id="73" name="Connecteur droit avec flèche 72">
+            <a:extLst>
+              <a:ext uri="{FF2B5EF4-FFF2-40B4-BE49-F238E27FC236}">
+                <a16:creationId xmlns:a16="http://schemas.microsoft.com/office/drawing/2014/main" id="{18E0258E-33E2-4C65-A455-CA7F9213A89F}"/>
+              </a:ext>
+            </a:extLst>
+          </p:cNvPr>
+          <p:cNvCxnSpPr>
+            <a:cxnSpLocks/>
+          </p:cNvCxnSpPr>
+          <p:nvPr/>
+        </p:nvCxnSpPr>
+        <p:spPr>
+          <a:xfrm flipH="1">
+            <a:off x="9581980" y="2987507"/>
+            <a:ext cx="220066" cy="76028"/>
+          </a:xfrm>
+          <a:prstGeom prst="straightConnector1">
+            <a:avLst/>
+          </a:prstGeom>
+          <a:ln>
+            <a:tailEnd type="triangle"/>
+          </a:ln>
+        </p:spPr>
+        <p:style>
+          <a:lnRef idx="1">
+            <a:schemeClr val="dk1"/>
+          </a:lnRef>
+          <a:fillRef idx="0">
+            <a:schemeClr val="dk1"/>
+          </a:fillRef>
+          <a:effectRef idx="0">
+            <a:schemeClr val="dk1"/>
+          </a:effectRef>
+          <a:fontRef idx="minor">
+            <a:schemeClr val="tx1"/>
+          </a:fontRef>
+        </p:style>
+      </p:cxnSp>
+      <p:cxnSp>
+        <p:nvCxnSpPr>
+          <p:cNvPr id="78" name="Connecteur droit avec flèche 77">
+            <a:extLst>
+              <a:ext uri="{FF2B5EF4-FFF2-40B4-BE49-F238E27FC236}">
+                <a16:creationId xmlns:a16="http://schemas.microsoft.com/office/drawing/2014/main" id="{EC61F080-6058-48BE-B66B-1E27E4F2CC2C}"/>
+              </a:ext>
+            </a:extLst>
+          </p:cNvPr>
+          <p:cNvCxnSpPr>
+            <a:cxnSpLocks/>
+          </p:cNvCxnSpPr>
+          <p:nvPr/>
+        </p:nvCxnSpPr>
+        <p:spPr>
+          <a:xfrm flipH="1">
+            <a:off x="10122135" y="4774297"/>
+            <a:ext cx="220066" cy="76028"/>
+          </a:xfrm>
+          <a:prstGeom prst="straightConnector1">
+            <a:avLst/>
+          </a:prstGeom>
+          <a:ln>
+            <a:tailEnd type="triangle"/>
+          </a:ln>
+        </p:spPr>
+        <p:style>
+          <a:lnRef idx="1">
+            <a:schemeClr val="dk1"/>
+          </a:lnRef>
+          <a:fillRef idx="0">
+            <a:schemeClr val="dk1"/>
+          </a:fillRef>
+          <a:effectRef idx="0">
+            <a:schemeClr val="dk1"/>
+          </a:effectRef>
+          <a:fontRef idx="minor">
+            <a:schemeClr val="tx1"/>
+          </a:fontRef>
+        </p:style>
+      </p:cxnSp>
     </p:spTree>
     <p:extLst>
       <p:ext uri="{BB962C8B-B14F-4D97-AF65-F5344CB8AC3E}">
@@ -34896,7 +35248,7 @@
         </p:nvSpPr>
         <p:spPr>
           <a:xfrm>
-            <a:off x="2538301" y="3457575"/>
+            <a:off x="4159984" y="5510574"/>
             <a:ext cx="7120776" cy="765834"/>
           </a:xfrm>
         </p:spPr>
@@ -35025,6 +35377,2622 @@
           </a:p>
         </p:txBody>
       </p:sp>
+      <p:sp>
+        <p:nvSpPr>
+          <p:cNvPr id="6" name="TextBox 45">
+            <a:extLst>
+              <a:ext uri="{FF2B5EF4-FFF2-40B4-BE49-F238E27FC236}">
+                <a16:creationId xmlns:a16="http://schemas.microsoft.com/office/drawing/2014/main" id="{743986A7-DC76-48A3-B37B-0DEE54641977}"/>
+              </a:ext>
+            </a:extLst>
+          </p:cNvPr>
+          <p:cNvSpPr txBox="1"/>
+          <p:nvPr/>
+        </p:nvSpPr>
+        <p:spPr>
+          <a:xfrm>
+            <a:off x="2056213" y="2935433"/>
+            <a:ext cx="1378990" cy="338554"/>
+          </a:xfrm>
+          <a:prstGeom prst="rect">
+            <a:avLst/>
+          </a:prstGeom>
+          <a:noFill/>
+        </p:spPr>
+        <p:txBody>
+          <a:bodyPr wrap="square" rtlCol="0">
+            <a:spAutoFit/>
+          </a:bodyPr>
+          <a:lstStyle/>
+          <a:p>
+            <a:r>
+              <a:rPr lang="fr-CH" sz="1600" dirty="0"/>
+              <a:t>Cross-section</a:t>
+            </a:r>
+          </a:p>
+        </p:txBody>
+      </p:sp>
+      <p:sp>
+        <p:nvSpPr>
+          <p:cNvPr id="7" name="Flowchart: Connector 57">
+            <a:extLst>
+              <a:ext uri="{FF2B5EF4-FFF2-40B4-BE49-F238E27FC236}">
+                <a16:creationId xmlns:a16="http://schemas.microsoft.com/office/drawing/2014/main" id="{6D6EB511-FA19-4D1B-8C59-4052706B5E7D}"/>
+              </a:ext>
+            </a:extLst>
+          </p:cNvPr>
+          <p:cNvSpPr/>
+          <p:nvPr/>
+        </p:nvSpPr>
+        <p:spPr>
+          <a:xfrm>
+            <a:off x="3892638" y="2507254"/>
+            <a:ext cx="86517" cy="88358"/>
+          </a:xfrm>
+          <a:prstGeom prst="flowChartConnector">
+            <a:avLst/>
+          </a:prstGeom>
+          <a:solidFill>
+            <a:schemeClr val="tx1"/>
+          </a:solidFill>
+          <a:ln>
+            <a:solidFill>
+              <a:schemeClr val="tx1"/>
+            </a:solidFill>
+          </a:ln>
+        </p:spPr>
+        <p:style>
+          <a:lnRef idx="2">
+            <a:schemeClr val="accent1">
+              <a:shade val="50000"/>
+            </a:schemeClr>
+          </a:lnRef>
+          <a:fillRef idx="1">
+            <a:schemeClr val="accent1"/>
+          </a:fillRef>
+          <a:effectRef idx="0">
+            <a:schemeClr val="accent1"/>
+          </a:effectRef>
+          <a:fontRef idx="minor">
+            <a:schemeClr val="lt1"/>
+          </a:fontRef>
+        </p:style>
+        <p:txBody>
+          <a:bodyPr rtlCol="0" anchor="ctr"/>
+          <a:lstStyle/>
+          <a:p>
+            <a:pPr algn="ctr"/>
+            <a:endParaRPr lang="fr-CH"/>
+          </a:p>
+        </p:txBody>
+      </p:sp>
+      <p:sp>
+        <p:nvSpPr>
+          <p:cNvPr id="8" name="Flowchart: Connector 58">
+            <a:extLst>
+              <a:ext uri="{FF2B5EF4-FFF2-40B4-BE49-F238E27FC236}">
+                <a16:creationId xmlns:a16="http://schemas.microsoft.com/office/drawing/2014/main" id="{01E56435-B5EC-436A-8F6C-AC5CBFB333F0}"/>
+              </a:ext>
+            </a:extLst>
+          </p:cNvPr>
+          <p:cNvSpPr/>
+          <p:nvPr/>
+        </p:nvSpPr>
+        <p:spPr>
+          <a:xfrm>
+            <a:off x="6432958" y="2495968"/>
+            <a:ext cx="86517" cy="88358"/>
+          </a:xfrm>
+          <a:prstGeom prst="flowChartConnector">
+            <a:avLst/>
+          </a:prstGeom>
+          <a:solidFill>
+            <a:schemeClr val="tx1"/>
+          </a:solidFill>
+          <a:ln>
+            <a:solidFill>
+              <a:schemeClr val="tx1"/>
+            </a:solidFill>
+          </a:ln>
+        </p:spPr>
+        <p:style>
+          <a:lnRef idx="2">
+            <a:schemeClr val="accent1">
+              <a:shade val="50000"/>
+            </a:schemeClr>
+          </a:lnRef>
+          <a:fillRef idx="1">
+            <a:schemeClr val="accent1"/>
+          </a:fillRef>
+          <a:effectRef idx="0">
+            <a:schemeClr val="accent1"/>
+          </a:effectRef>
+          <a:fontRef idx="minor">
+            <a:schemeClr val="lt1"/>
+          </a:fontRef>
+        </p:style>
+        <p:txBody>
+          <a:bodyPr rtlCol="0" anchor="ctr"/>
+          <a:lstStyle/>
+          <a:p>
+            <a:pPr algn="ctr"/>
+            <a:endParaRPr lang="fr-CH"/>
+          </a:p>
+        </p:txBody>
+      </p:sp>
+      <p:sp>
+        <p:nvSpPr>
+          <p:cNvPr id="9" name="Flowchart: Connector 59">
+            <a:extLst>
+              <a:ext uri="{FF2B5EF4-FFF2-40B4-BE49-F238E27FC236}">
+                <a16:creationId xmlns:a16="http://schemas.microsoft.com/office/drawing/2014/main" id="{6D254578-300F-4EA6-A3CA-AD26707DB39F}"/>
+              </a:ext>
+            </a:extLst>
+          </p:cNvPr>
+          <p:cNvSpPr/>
+          <p:nvPr/>
+        </p:nvSpPr>
+        <p:spPr>
+          <a:xfrm>
+            <a:off x="6304850" y="2386170"/>
+            <a:ext cx="86517" cy="88358"/>
+          </a:xfrm>
+          <a:prstGeom prst="flowChartConnector">
+            <a:avLst/>
+          </a:prstGeom>
+          <a:solidFill>
+            <a:schemeClr val="tx1"/>
+          </a:solidFill>
+          <a:ln>
+            <a:solidFill>
+              <a:schemeClr val="tx1"/>
+            </a:solidFill>
+          </a:ln>
+        </p:spPr>
+        <p:style>
+          <a:lnRef idx="2">
+            <a:schemeClr val="accent1">
+              <a:shade val="50000"/>
+            </a:schemeClr>
+          </a:lnRef>
+          <a:fillRef idx="1">
+            <a:schemeClr val="accent1"/>
+          </a:fillRef>
+          <a:effectRef idx="0">
+            <a:schemeClr val="accent1"/>
+          </a:effectRef>
+          <a:fontRef idx="minor">
+            <a:schemeClr val="lt1"/>
+          </a:fontRef>
+        </p:style>
+        <p:txBody>
+          <a:bodyPr rtlCol="0" anchor="ctr"/>
+          <a:lstStyle/>
+          <a:p>
+            <a:pPr algn="ctr"/>
+            <a:endParaRPr lang="fr-CH"/>
+          </a:p>
+        </p:txBody>
+      </p:sp>
+      <p:sp>
+        <p:nvSpPr>
+          <p:cNvPr id="10" name="Flowchart: Connector 60">
+            <a:extLst>
+              <a:ext uri="{FF2B5EF4-FFF2-40B4-BE49-F238E27FC236}">
+                <a16:creationId xmlns:a16="http://schemas.microsoft.com/office/drawing/2014/main" id="{5396B845-BDEC-4898-BF02-7D1CB580661F}"/>
+              </a:ext>
+            </a:extLst>
+          </p:cNvPr>
+          <p:cNvSpPr/>
+          <p:nvPr/>
+        </p:nvSpPr>
+        <p:spPr>
+          <a:xfrm>
+            <a:off x="6433144" y="2592456"/>
+            <a:ext cx="86517" cy="88358"/>
+          </a:xfrm>
+          <a:prstGeom prst="flowChartConnector">
+            <a:avLst/>
+          </a:prstGeom>
+          <a:solidFill>
+            <a:schemeClr val="tx1"/>
+          </a:solidFill>
+          <a:ln>
+            <a:solidFill>
+              <a:schemeClr val="tx1"/>
+            </a:solidFill>
+          </a:ln>
+        </p:spPr>
+        <p:style>
+          <a:lnRef idx="2">
+            <a:schemeClr val="accent1">
+              <a:shade val="50000"/>
+            </a:schemeClr>
+          </a:lnRef>
+          <a:fillRef idx="1">
+            <a:schemeClr val="accent1"/>
+          </a:fillRef>
+          <a:effectRef idx="0">
+            <a:schemeClr val="accent1"/>
+          </a:effectRef>
+          <a:fontRef idx="minor">
+            <a:schemeClr val="lt1"/>
+          </a:fontRef>
+        </p:style>
+        <p:txBody>
+          <a:bodyPr rtlCol="0" anchor="ctr"/>
+          <a:lstStyle/>
+          <a:p>
+            <a:pPr algn="ctr"/>
+            <a:endParaRPr lang="fr-CH"/>
+          </a:p>
+        </p:txBody>
+      </p:sp>
+      <p:sp>
+        <p:nvSpPr>
+          <p:cNvPr id="11" name="Flowchart: Connector 61">
+            <a:extLst>
+              <a:ext uri="{FF2B5EF4-FFF2-40B4-BE49-F238E27FC236}">
+                <a16:creationId xmlns:a16="http://schemas.microsoft.com/office/drawing/2014/main" id="{AA9B4A1B-B4E8-42D6-95D2-F91CC63E192B}"/>
+              </a:ext>
+            </a:extLst>
+          </p:cNvPr>
+          <p:cNvSpPr/>
+          <p:nvPr/>
+        </p:nvSpPr>
+        <p:spPr>
+          <a:xfrm>
+            <a:off x="5216406" y="2272010"/>
+            <a:ext cx="86517" cy="88358"/>
+          </a:xfrm>
+          <a:prstGeom prst="flowChartConnector">
+            <a:avLst/>
+          </a:prstGeom>
+          <a:solidFill>
+            <a:schemeClr val="tx1"/>
+          </a:solidFill>
+          <a:ln>
+            <a:solidFill>
+              <a:schemeClr val="tx1"/>
+            </a:solidFill>
+          </a:ln>
+        </p:spPr>
+        <p:style>
+          <a:lnRef idx="2">
+            <a:schemeClr val="accent1">
+              <a:shade val="50000"/>
+            </a:schemeClr>
+          </a:lnRef>
+          <a:fillRef idx="1">
+            <a:schemeClr val="accent1"/>
+          </a:fillRef>
+          <a:effectRef idx="0">
+            <a:schemeClr val="accent1"/>
+          </a:effectRef>
+          <a:fontRef idx="minor">
+            <a:schemeClr val="lt1"/>
+          </a:fontRef>
+        </p:style>
+        <p:txBody>
+          <a:bodyPr rtlCol="0" anchor="ctr"/>
+          <a:lstStyle/>
+          <a:p>
+            <a:pPr algn="ctr"/>
+            <a:endParaRPr lang="fr-CH"/>
+          </a:p>
+        </p:txBody>
+      </p:sp>
+      <p:sp>
+        <p:nvSpPr>
+          <p:cNvPr id="12" name="Flowchart: Connector 62">
+            <a:extLst>
+              <a:ext uri="{FF2B5EF4-FFF2-40B4-BE49-F238E27FC236}">
+                <a16:creationId xmlns:a16="http://schemas.microsoft.com/office/drawing/2014/main" id="{07387A34-74E1-4677-8C1C-773844CB8CED}"/>
+              </a:ext>
+            </a:extLst>
+          </p:cNvPr>
+          <p:cNvSpPr/>
+          <p:nvPr/>
+        </p:nvSpPr>
+        <p:spPr>
+          <a:xfrm>
+            <a:off x="5740441" y="2363381"/>
+            <a:ext cx="86517" cy="88358"/>
+          </a:xfrm>
+          <a:prstGeom prst="flowChartConnector">
+            <a:avLst/>
+          </a:prstGeom>
+          <a:solidFill>
+            <a:schemeClr val="tx1"/>
+          </a:solidFill>
+          <a:ln>
+            <a:solidFill>
+              <a:schemeClr val="tx1"/>
+            </a:solidFill>
+          </a:ln>
+        </p:spPr>
+        <p:style>
+          <a:lnRef idx="2">
+            <a:schemeClr val="accent1">
+              <a:shade val="50000"/>
+            </a:schemeClr>
+          </a:lnRef>
+          <a:fillRef idx="1">
+            <a:schemeClr val="accent1"/>
+          </a:fillRef>
+          <a:effectRef idx="0">
+            <a:schemeClr val="accent1"/>
+          </a:effectRef>
+          <a:fontRef idx="minor">
+            <a:schemeClr val="lt1"/>
+          </a:fontRef>
+        </p:style>
+        <p:txBody>
+          <a:bodyPr rtlCol="0" anchor="ctr"/>
+          <a:lstStyle/>
+          <a:p>
+            <a:pPr algn="ctr"/>
+            <a:endParaRPr lang="fr-CH"/>
+          </a:p>
+        </p:txBody>
+      </p:sp>
+      <p:sp>
+        <p:nvSpPr>
+          <p:cNvPr id="13" name="Flowchart: Connector 63">
+            <a:extLst>
+              <a:ext uri="{FF2B5EF4-FFF2-40B4-BE49-F238E27FC236}">
+                <a16:creationId xmlns:a16="http://schemas.microsoft.com/office/drawing/2014/main" id="{F6BA3028-3BD6-4A43-B198-E40E0DC3CA59}"/>
+              </a:ext>
+            </a:extLst>
+          </p:cNvPr>
+          <p:cNvSpPr/>
+          <p:nvPr/>
+        </p:nvSpPr>
+        <p:spPr>
+          <a:xfrm>
+            <a:off x="3804690" y="2592558"/>
+            <a:ext cx="86517" cy="88358"/>
+          </a:xfrm>
+          <a:prstGeom prst="flowChartConnector">
+            <a:avLst/>
+          </a:prstGeom>
+          <a:solidFill>
+            <a:schemeClr val="tx1"/>
+          </a:solidFill>
+          <a:ln>
+            <a:solidFill>
+              <a:schemeClr val="tx1"/>
+            </a:solidFill>
+          </a:ln>
+        </p:spPr>
+        <p:style>
+          <a:lnRef idx="2">
+            <a:schemeClr val="accent1">
+              <a:shade val="50000"/>
+            </a:schemeClr>
+          </a:lnRef>
+          <a:fillRef idx="1">
+            <a:schemeClr val="accent1"/>
+          </a:fillRef>
+          <a:effectRef idx="0">
+            <a:schemeClr val="accent1"/>
+          </a:effectRef>
+          <a:fontRef idx="minor">
+            <a:schemeClr val="lt1"/>
+          </a:fontRef>
+        </p:style>
+        <p:txBody>
+          <a:bodyPr rtlCol="0" anchor="ctr"/>
+          <a:lstStyle/>
+          <a:p>
+            <a:pPr algn="ctr"/>
+            <a:endParaRPr lang="fr-CH"/>
+          </a:p>
+        </p:txBody>
+      </p:sp>
+      <p:sp>
+        <p:nvSpPr>
+          <p:cNvPr id="14" name="Flowchart: Connector 64">
+            <a:extLst>
+              <a:ext uri="{FF2B5EF4-FFF2-40B4-BE49-F238E27FC236}">
+                <a16:creationId xmlns:a16="http://schemas.microsoft.com/office/drawing/2014/main" id="{A5E8CA65-6105-4399-A0D7-A961A7C8629A}"/>
+              </a:ext>
+            </a:extLst>
+          </p:cNvPr>
+          <p:cNvSpPr/>
+          <p:nvPr/>
+        </p:nvSpPr>
+        <p:spPr>
+          <a:xfrm>
+            <a:off x="3835902" y="2507254"/>
+            <a:ext cx="86517" cy="88358"/>
+          </a:xfrm>
+          <a:prstGeom prst="flowChartConnector">
+            <a:avLst/>
+          </a:prstGeom>
+          <a:solidFill>
+            <a:schemeClr val="tx1"/>
+          </a:solidFill>
+          <a:ln>
+            <a:solidFill>
+              <a:schemeClr val="tx1"/>
+            </a:solidFill>
+          </a:ln>
+        </p:spPr>
+        <p:style>
+          <a:lnRef idx="2">
+            <a:schemeClr val="accent1">
+              <a:shade val="50000"/>
+            </a:schemeClr>
+          </a:lnRef>
+          <a:fillRef idx="1">
+            <a:schemeClr val="accent1"/>
+          </a:fillRef>
+          <a:effectRef idx="0">
+            <a:schemeClr val="accent1"/>
+          </a:effectRef>
+          <a:fontRef idx="minor">
+            <a:schemeClr val="lt1"/>
+          </a:fontRef>
+        </p:style>
+        <p:txBody>
+          <a:bodyPr rtlCol="0" anchor="ctr"/>
+          <a:lstStyle/>
+          <a:p>
+            <a:pPr algn="ctr"/>
+            <a:endParaRPr lang="fr-CH"/>
+          </a:p>
+        </p:txBody>
+      </p:sp>
+      <p:sp>
+        <p:nvSpPr>
+          <p:cNvPr id="15" name="Flowchart: Connector 65">
+            <a:extLst>
+              <a:ext uri="{FF2B5EF4-FFF2-40B4-BE49-F238E27FC236}">
+                <a16:creationId xmlns:a16="http://schemas.microsoft.com/office/drawing/2014/main" id="{AA278152-79AA-4A53-82CE-B5CC50815C34}"/>
+              </a:ext>
+            </a:extLst>
+          </p:cNvPr>
+          <p:cNvSpPr/>
+          <p:nvPr/>
+        </p:nvSpPr>
+        <p:spPr>
+          <a:xfrm>
+            <a:off x="4116727" y="2334467"/>
+            <a:ext cx="86517" cy="88358"/>
+          </a:xfrm>
+          <a:prstGeom prst="flowChartConnector">
+            <a:avLst/>
+          </a:prstGeom>
+          <a:solidFill>
+            <a:schemeClr val="tx1"/>
+          </a:solidFill>
+          <a:ln>
+            <a:solidFill>
+              <a:schemeClr val="tx1"/>
+            </a:solidFill>
+          </a:ln>
+        </p:spPr>
+        <p:style>
+          <a:lnRef idx="2">
+            <a:schemeClr val="accent1">
+              <a:shade val="50000"/>
+            </a:schemeClr>
+          </a:lnRef>
+          <a:fillRef idx="1">
+            <a:schemeClr val="accent1"/>
+          </a:fillRef>
+          <a:effectRef idx="0">
+            <a:schemeClr val="accent1"/>
+          </a:effectRef>
+          <a:fontRef idx="minor">
+            <a:schemeClr val="lt1"/>
+          </a:fontRef>
+        </p:style>
+        <p:txBody>
+          <a:bodyPr rtlCol="0" anchor="ctr"/>
+          <a:lstStyle/>
+          <a:p>
+            <a:pPr algn="ctr"/>
+            <a:endParaRPr lang="fr-CH"/>
+          </a:p>
+        </p:txBody>
+      </p:sp>
+      <p:sp>
+        <p:nvSpPr>
+          <p:cNvPr id="16" name="Flowchart: Connector 66">
+            <a:extLst>
+              <a:ext uri="{FF2B5EF4-FFF2-40B4-BE49-F238E27FC236}">
+                <a16:creationId xmlns:a16="http://schemas.microsoft.com/office/drawing/2014/main" id="{34090AB3-DC42-48C6-B032-E02FC31005C3}"/>
+              </a:ext>
+            </a:extLst>
+          </p:cNvPr>
+          <p:cNvSpPr/>
+          <p:nvPr/>
+        </p:nvSpPr>
+        <p:spPr>
+          <a:xfrm>
+            <a:off x="6116657" y="2363381"/>
+            <a:ext cx="86517" cy="88358"/>
+          </a:xfrm>
+          <a:prstGeom prst="flowChartConnector">
+            <a:avLst/>
+          </a:prstGeom>
+          <a:solidFill>
+            <a:schemeClr val="tx1"/>
+          </a:solidFill>
+          <a:ln>
+            <a:solidFill>
+              <a:schemeClr val="tx1"/>
+            </a:solidFill>
+          </a:ln>
+        </p:spPr>
+        <p:style>
+          <a:lnRef idx="2">
+            <a:schemeClr val="accent1">
+              <a:shade val="50000"/>
+            </a:schemeClr>
+          </a:lnRef>
+          <a:fillRef idx="1">
+            <a:schemeClr val="accent1"/>
+          </a:fillRef>
+          <a:effectRef idx="0">
+            <a:schemeClr val="accent1"/>
+          </a:effectRef>
+          <a:fontRef idx="minor">
+            <a:schemeClr val="lt1"/>
+          </a:fontRef>
+        </p:style>
+        <p:txBody>
+          <a:bodyPr rtlCol="0" anchor="ctr"/>
+          <a:lstStyle/>
+          <a:p>
+            <a:pPr algn="ctr"/>
+            <a:endParaRPr lang="fr-CH"/>
+          </a:p>
+        </p:txBody>
+      </p:sp>
+      <p:sp>
+        <p:nvSpPr>
+          <p:cNvPr id="17" name="Flowchart: Connector 67">
+            <a:extLst>
+              <a:ext uri="{FF2B5EF4-FFF2-40B4-BE49-F238E27FC236}">
+                <a16:creationId xmlns:a16="http://schemas.microsoft.com/office/drawing/2014/main" id="{0D3196CF-B765-414E-A5D5-C74A89FBD899}"/>
+              </a:ext>
+            </a:extLst>
+          </p:cNvPr>
+          <p:cNvSpPr/>
+          <p:nvPr/>
+        </p:nvSpPr>
+        <p:spPr>
+          <a:xfrm>
+            <a:off x="3935897" y="2478354"/>
+            <a:ext cx="86517" cy="88358"/>
+          </a:xfrm>
+          <a:prstGeom prst="flowChartConnector">
+            <a:avLst/>
+          </a:prstGeom>
+          <a:solidFill>
+            <a:schemeClr val="tx1"/>
+          </a:solidFill>
+          <a:ln>
+            <a:solidFill>
+              <a:schemeClr val="tx1"/>
+            </a:solidFill>
+          </a:ln>
+        </p:spPr>
+        <p:style>
+          <a:lnRef idx="2">
+            <a:schemeClr val="accent1">
+              <a:shade val="50000"/>
+            </a:schemeClr>
+          </a:lnRef>
+          <a:fillRef idx="1">
+            <a:schemeClr val="accent1"/>
+          </a:fillRef>
+          <a:effectRef idx="0">
+            <a:schemeClr val="accent1"/>
+          </a:effectRef>
+          <a:fontRef idx="minor">
+            <a:schemeClr val="lt1"/>
+          </a:fontRef>
+        </p:style>
+        <p:txBody>
+          <a:bodyPr rtlCol="0" anchor="ctr"/>
+          <a:lstStyle/>
+          <a:p>
+            <a:pPr algn="ctr"/>
+            <a:endParaRPr lang="fr-CH"/>
+          </a:p>
+        </p:txBody>
+      </p:sp>
+      <p:sp>
+        <p:nvSpPr>
+          <p:cNvPr id="18" name="Flowchart: Connector 68">
+            <a:extLst>
+              <a:ext uri="{FF2B5EF4-FFF2-40B4-BE49-F238E27FC236}">
+                <a16:creationId xmlns:a16="http://schemas.microsoft.com/office/drawing/2014/main" id="{24640B2F-15D1-40C5-BE30-74CD857B8700}"/>
+              </a:ext>
+            </a:extLst>
+          </p:cNvPr>
+          <p:cNvSpPr/>
+          <p:nvPr/>
+        </p:nvSpPr>
+        <p:spPr>
+          <a:xfrm>
+            <a:off x="3896252" y="2427979"/>
+            <a:ext cx="86517" cy="88358"/>
+          </a:xfrm>
+          <a:prstGeom prst="flowChartConnector">
+            <a:avLst/>
+          </a:prstGeom>
+          <a:solidFill>
+            <a:schemeClr val="tx1"/>
+          </a:solidFill>
+          <a:ln>
+            <a:solidFill>
+              <a:schemeClr val="tx1"/>
+            </a:solidFill>
+          </a:ln>
+        </p:spPr>
+        <p:style>
+          <a:lnRef idx="2">
+            <a:schemeClr val="accent1">
+              <a:shade val="50000"/>
+            </a:schemeClr>
+          </a:lnRef>
+          <a:fillRef idx="1">
+            <a:schemeClr val="accent1"/>
+          </a:fillRef>
+          <a:effectRef idx="0">
+            <a:schemeClr val="accent1"/>
+          </a:effectRef>
+          <a:fontRef idx="minor">
+            <a:schemeClr val="lt1"/>
+          </a:fontRef>
+        </p:style>
+        <p:txBody>
+          <a:bodyPr rtlCol="0" anchor="ctr"/>
+          <a:lstStyle/>
+          <a:p>
+            <a:pPr algn="ctr"/>
+            <a:endParaRPr lang="fr-CH"/>
+          </a:p>
+        </p:txBody>
+      </p:sp>
+      <p:sp>
+        <p:nvSpPr>
+          <p:cNvPr id="19" name="Flowchart: Connector 69">
+            <a:extLst>
+              <a:ext uri="{FF2B5EF4-FFF2-40B4-BE49-F238E27FC236}">
+                <a16:creationId xmlns:a16="http://schemas.microsoft.com/office/drawing/2014/main" id="{4CAFAB4A-EA0F-4746-8A00-37A64C8ACC32}"/>
+              </a:ext>
+            </a:extLst>
+          </p:cNvPr>
+          <p:cNvSpPr/>
+          <p:nvPr/>
+        </p:nvSpPr>
+        <p:spPr>
+          <a:xfrm>
+            <a:off x="3894818" y="2709420"/>
+            <a:ext cx="86517" cy="88358"/>
+          </a:xfrm>
+          <a:prstGeom prst="flowChartConnector">
+            <a:avLst/>
+          </a:prstGeom>
+          <a:solidFill>
+            <a:schemeClr val="tx1"/>
+          </a:solidFill>
+          <a:ln>
+            <a:solidFill>
+              <a:schemeClr val="tx1"/>
+            </a:solidFill>
+          </a:ln>
+        </p:spPr>
+        <p:style>
+          <a:lnRef idx="2">
+            <a:schemeClr val="accent1">
+              <a:shade val="50000"/>
+            </a:schemeClr>
+          </a:lnRef>
+          <a:fillRef idx="1">
+            <a:schemeClr val="accent1"/>
+          </a:fillRef>
+          <a:effectRef idx="0">
+            <a:schemeClr val="accent1"/>
+          </a:effectRef>
+          <a:fontRef idx="minor">
+            <a:schemeClr val="lt1"/>
+          </a:fontRef>
+        </p:style>
+        <p:txBody>
+          <a:bodyPr rtlCol="0" anchor="ctr"/>
+          <a:lstStyle/>
+          <a:p>
+            <a:pPr algn="ctr"/>
+            <a:endParaRPr lang="fr-CH"/>
+          </a:p>
+        </p:txBody>
+      </p:sp>
+      <p:sp>
+        <p:nvSpPr>
+          <p:cNvPr id="20" name="Flowchart: Connector 70">
+            <a:extLst>
+              <a:ext uri="{FF2B5EF4-FFF2-40B4-BE49-F238E27FC236}">
+                <a16:creationId xmlns:a16="http://schemas.microsoft.com/office/drawing/2014/main" id="{C2DA307E-53F5-460F-923E-564781B96C3B}"/>
+              </a:ext>
+            </a:extLst>
+          </p:cNvPr>
+          <p:cNvSpPr/>
+          <p:nvPr/>
+        </p:nvSpPr>
+        <p:spPr>
+          <a:xfrm>
+            <a:off x="3955496" y="2723576"/>
+            <a:ext cx="86517" cy="88358"/>
+          </a:xfrm>
+          <a:prstGeom prst="flowChartConnector">
+            <a:avLst/>
+          </a:prstGeom>
+          <a:solidFill>
+            <a:schemeClr val="tx1"/>
+          </a:solidFill>
+          <a:ln>
+            <a:solidFill>
+              <a:schemeClr val="tx1"/>
+            </a:solidFill>
+          </a:ln>
+        </p:spPr>
+        <p:style>
+          <a:lnRef idx="2">
+            <a:schemeClr val="accent1">
+              <a:shade val="50000"/>
+            </a:schemeClr>
+          </a:lnRef>
+          <a:fillRef idx="1">
+            <a:schemeClr val="accent1"/>
+          </a:fillRef>
+          <a:effectRef idx="0">
+            <a:schemeClr val="accent1"/>
+          </a:effectRef>
+          <a:fontRef idx="minor">
+            <a:schemeClr val="lt1"/>
+          </a:fontRef>
+        </p:style>
+        <p:txBody>
+          <a:bodyPr rtlCol="0" anchor="ctr"/>
+          <a:lstStyle/>
+          <a:p>
+            <a:pPr algn="ctr"/>
+            <a:endParaRPr lang="fr-CH"/>
+          </a:p>
+        </p:txBody>
+      </p:sp>
+      <p:sp>
+        <p:nvSpPr>
+          <p:cNvPr id="21" name="Flowchart: Connector 71">
+            <a:extLst>
+              <a:ext uri="{FF2B5EF4-FFF2-40B4-BE49-F238E27FC236}">
+                <a16:creationId xmlns:a16="http://schemas.microsoft.com/office/drawing/2014/main" id="{4F9F5B8F-41D1-4F25-A46D-0276229C0845}"/>
+              </a:ext>
+            </a:extLst>
+          </p:cNvPr>
+          <p:cNvSpPr/>
+          <p:nvPr/>
+        </p:nvSpPr>
+        <p:spPr>
+          <a:xfrm>
+            <a:off x="4480462" y="2820515"/>
+            <a:ext cx="86517" cy="88358"/>
+          </a:xfrm>
+          <a:prstGeom prst="flowChartConnector">
+            <a:avLst/>
+          </a:prstGeom>
+          <a:solidFill>
+            <a:schemeClr val="tx1"/>
+          </a:solidFill>
+          <a:ln>
+            <a:solidFill>
+              <a:schemeClr val="tx1"/>
+            </a:solidFill>
+          </a:ln>
+        </p:spPr>
+        <p:style>
+          <a:lnRef idx="2">
+            <a:schemeClr val="accent1">
+              <a:shade val="50000"/>
+            </a:schemeClr>
+          </a:lnRef>
+          <a:fillRef idx="1">
+            <a:schemeClr val="accent1"/>
+          </a:fillRef>
+          <a:effectRef idx="0">
+            <a:schemeClr val="accent1"/>
+          </a:effectRef>
+          <a:fontRef idx="minor">
+            <a:schemeClr val="lt1"/>
+          </a:fontRef>
+        </p:style>
+        <p:txBody>
+          <a:bodyPr rtlCol="0" anchor="ctr"/>
+          <a:lstStyle/>
+          <a:p>
+            <a:pPr algn="ctr"/>
+            <a:endParaRPr lang="fr-CH"/>
+          </a:p>
+        </p:txBody>
+      </p:sp>
+      <p:sp>
+        <p:nvSpPr>
+          <p:cNvPr id="22" name="Flowchart: Connector 72">
+            <a:extLst>
+              <a:ext uri="{FF2B5EF4-FFF2-40B4-BE49-F238E27FC236}">
+                <a16:creationId xmlns:a16="http://schemas.microsoft.com/office/drawing/2014/main" id="{3596CBDE-EDB5-43AE-AC87-E1D233CA61B8}"/>
+              </a:ext>
+            </a:extLst>
+          </p:cNvPr>
+          <p:cNvSpPr/>
+          <p:nvPr/>
+        </p:nvSpPr>
+        <p:spPr>
+          <a:xfrm>
+            <a:off x="6109855" y="2704597"/>
+            <a:ext cx="86517" cy="88358"/>
+          </a:xfrm>
+          <a:prstGeom prst="flowChartConnector">
+            <a:avLst/>
+          </a:prstGeom>
+          <a:solidFill>
+            <a:schemeClr val="tx1"/>
+          </a:solidFill>
+          <a:ln>
+            <a:solidFill>
+              <a:schemeClr val="tx1"/>
+            </a:solidFill>
+          </a:ln>
+        </p:spPr>
+        <p:style>
+          <a:lnRef idx="2">
+            <a:schemeClr val="accent1">
+              <a:shade val="50000"/>
+            </a:schemeClr>
+          </a:lnRef>
+          <a:fillRef idx="1">
+            <a:schemeClr val="accent1"/>
+          </a:fillRef>
+          <a:effectRef idx="0">
+            <a:schemeClr val="accent1"/>
+          </a:effectRef>
+          <a:fontRef idx="minor">
+            <a:schemeClr val="lt1"/>
+          </a:fontRef>
+        </p:style>
+        <p:txBody>
+          <a:bodyPr rtlCol="0" anchor="ctr"/>
+          <a:lstStyle/>
+          <a:p>
+            <a:pPr algn="ctr"/>
+            <a:endParaRPr lang="fr-CH"/>
+          </a:p>
+        </p:txBody>
+      </p:sp>
+      <p:sp>
+        <p:nvSpPr>
+          <p:cNvPr id="23" name="Flowchart: Connector 73">
+            <a:extLst>
+              <a:ext uri="{FF2B5EF4-FFF2-40B4-BE49-F238E27FC236}">
+                <a16:creationId xmlns:a16="http://schemas.microsoft.com/office/drawing/2014/main" id="{62D18B2E-857D-4DB2-B24A-3B1B4F0AC7D9}"/>
+              </a:ext>
+            </a:extLst>
+          </p:cNvPr>
+          <p:cNvSpPr/>
+          <p:nvPr/>
+        </p:nvSpPr>
+        <p:spPr>
+          <a:xfrm>
+            <a:off x="6216272" y="2313623"/>
+            <a:ext cx="86517" cy="88358"/>
+          </a:xfrm>
+          <a:prstGeom prst="flowChartConnector">
+            <a:avLst/>
+          </a:prstGeom>
+          <a:solidFill>
+            <a:schemeClr val="tx1"/>
+          </a:solidFill>
+          <a:ln>
+            <a:solidFill>
+              <a:schemeClr val="tx1"/>
+            </a:solidFill>
+          </a:ln>
+        </p:spPr>
+        <p:style>
+          <a:lnRef idx="2">
+            <a:schemeClr val="accent1">
+              <a:shade val="50000"/>
+            </a:schemeClr>
+          </a:lnRef>
+          <a:fillRef idx="1">
+            <a:schemeClr val="accent1"/>
+          </a:fillRef>
+          <a:effectRef idx="0">
+            <a:schemeClr val="accent1"/>
+          </a:effectRef>
+          <a:fontRef idx="minor">
+            <a:schemeClr val="lt1"/>
+          </a:fontRef>
+        </p:style>
+        <p:txBody>
+          <a:bodyPr rtlCol="0" anchor="ctr"/>
+          <a:lstStyle/>
+          <a:p>
+            <a:pPr algn="ctr"/>
+            <a:endParaRPr lang="fr-CH"/>
+          </a:p>
+        </p:txBody>
+      </p:sp>
+      <p:sp>
+        <p:nvSpPr>
+          <p:cNvPr id="24" name="Flowchart: Connector 74">
+            <a:extLst>
+              <a:ext uri="{FF2B5EF4-FFF2-40B4-BE49-F238E27FC236}">
+                <a16:creationId xmlns:a16="http://schemas.microsoft.com/office/drawing/2014/main" id="{73D2E5A2-D480-41A1-A02A-AB7E55BECC5B}"/>
+              </a:ext>
+            </a:extLst>
+          </p:cNvPr>
+          <p:cNvSpPr/>
+          <p:nvPr/>
+        </p:nvSpPr>
+        <p:spPr>
+          <a:xfrm>
+            <a:off x="6367270" y="2571453"/>
+            <a:ext cx="86517" cy="88358"/>
+          </a:xfrm>
+          <a:prstGeom prst="flowChartConnector">
+            <a:avLst/>
+          </a:prstGeom>
+          <a:solidFill>
+            <a:schemeClr val="tx1"/>
+          </a:solidFill>
+          <a:ln>
+            <a:solidFill>
+              <a:schemeClr val="tx1"/>
+            </a:solidFill>
+          </a:ln>
+        </p:spPr>
+        <p:style>
+          <a:lnRef idx="2">
+            <a:schemeClr val="accent1">
+              <a:shade val="50000"/>
+            </a:schemeClr>
+          </a:lnRef>
+          <a:fillRef idx="1">
+            <a:schemeClr val="accent1"/>
+          </a:fillRef>
+          <a:effectRef idx="0">
+            <a:schemeClr val="accent1"/>
+          </a:effectRef>
+          <a:fontRef idx="minor">
+            <a:schemeClr val="lt1"/>
+          </a:fontRef>
+        </p:style>
+        <p:txBody>
+          <a:bodyPr rtlCol="0" anchor="ctr"/>
+          <a:lstStyle/>
+          <a:p>
+            <a:pPr algn="ctr"/>
+            <a:endParaRPr lang="fr-CH"/>
+          </a:p>
+        </p:txBody>
+      </p:sp>
+      <p:sp>
+        <p:nvSpPr>
+          <p:cNvPr id="25" name="Flowchart: Connector 75">
+            <a:extLst>
+              <a:ext uri="{FF2B5EF4-FFF2-40B4-BE49-F238E27FC236}">
+                <a16:creationId xmlns:a16="http://schemas.microsoft.com/office/drawing/2014/main" id="{BD0F6A2F-1E87-4291-A7CB-870389AF4AA2}"/>
+              </a:ext>
+            </a:extLst>
+          </p:cNvPr>
+          <p:cNvSpPr/>
+          <p:nvPr/>
+        </p:nvSpPr>
+        <p:spPr>
+          <a:xfrm>
+            <a:off x="6218988" y="2667979"/>
+            <a:ext cx="86517" cy="88358"/>
+          </a:xfrm>
+          <a:prstGeom prst="flowChartConnector">
+            <a:avLst/>
+          </a:prstGeom>
+          <a:solidFill>
+            <a:schemeClr val="tx1"/>
+          </a:solidFill>
+          <a:ln>
+            <a:solidFill>
+              <a:schemeClr val="tx1"/>
+            </a:solidFill>
+          </a:ln>
+        </p:spPr>
+        <p:style>
+          <a:lnRef idx="2">
+            <a:schemeClr val="accent1">
+              <a:shade val="50000"/>
+            </a:schemeClr>
+          </a:lnRef>
+          <a:fillRef idx="1">
+            <a:schemeClr val="accent1"/>
+          </a:fillRef>
+          <a:effectRef idx="0">
+            <a:schemeClr val="accent1"/>
+          </a:effectRef>
+          <a:fontRef idx="minor">
+            <a:schemeClr val="lt1"/>
+          </a:fontRef>
+        </p:style>
+        <p:txBody>
+          <a:bodyPr rtlCol="0" anchor="ctr"/>
+          <a:lstStyle/>
+          <a:p>
+            <a:pPr algn="ctr"/>
+            <a:endParaRPr lang="fr-CH"/>
+          </a:p>
+        </p:txBody>
+      </p:sp>
+      <p:sp>
+        <p:nvSpPr>
+          <p:cNvPr id="26" name="Flowchart: Connector 77">
+            <a:extLst>
+              <a:ext uri="{FF2B5EF4-FFF2-40B4-BE49-F238E27FC236}">
+                <a16:creationId xmlns:a16="http://schemas.microsoft.com/office/drawing/2014/main" id="{56693032-6800-4BED-8808-BFA9CABF026B}"/>
+              </a:ext>
+            </a:extLst>
+          </p:cNvPr>
+          <p:cNvSpPr/>
+          <p:nvPr/>
+        </p:nvSpPr>
+        <p:spPr>
+          <a:xfrm>
+            <a:off x="3804689" y="2663297"/>
+            <a:ext cx="86517" cy="88358"/>
+          </a:xfrm>
+          <a:prstGeom prst="flowChartConnector">
+            <a:avLst/>
+          </a:prstGeom>
+          <a:solidFill>
+            <a:schemeClr val="tx1"/>
+          </a:solidFill>
+          <a:ln>
+            <a:solidFill>
+              <a:schemeClr val="tx1"/>
+            </a:solidFill>
+          </a:ln>
+        </p:spPr>
+        <p:style>
+          <a:lnRef idx="2">
+            <a:schemeClr val="accent1">
+              <a:shade val="50000"/>
+            </a:schemeClr>
+          </a:lnRef>
+          <a:fillRef idx="1">
+            <a:schemeClr val="accent1"/>
+          </a:fillRef>
+          <a:effectRef idx="0">
+            <a:schemeClr val="accent1"/>
+          </a:effectRef>
+          <a:fontRef idx="minor">
+            <a:schemeClr val="lt1"/>
+          </a:fontRef>
+        </p:style>
+        <p:txBody>
+          <a:bodyPr rtlCol="0" anchor="ctr"/>
+          <a:lstStyle/>
+          <a:p>
+            <a:pPr algn="ctr"/>
+            <a:endParaRPr lang="fr-CH"/>
+          </a:p>
+        </p:txBody>
+      </p:sp>
+      <p:sp>
+        <p:nvSpPr>
+          <p:cNvPr id="27" name="Flowchart: Connector 78">
+            <a:extLst>
+              <a:ext uri="{FF2B5EF4-FFF2-40B4-BE49-F238E27FC236}">
+                <a16:creationId xmlns:a16="http://schemas.microsoft.com/office/drawing/2014/main" id="{0C4E2D74-1E55-4FC0-85B7-F629829F54E0}"/>
+              </a:ext>
+            </a:extLst>
+          </p:cNvPr>
+          <p:cNvSpPr/>
+          <p:nvPr/>
+        </p:nvSpPr>
+        <p:spPr>
+          <a:xfrm>
+            <a:off x="6517723" y="2548277"/>
+            <a:ext cx="86517" cy="88358"/>
+          </a:xfrm>
+          <a:prstGeom prst="flowChartConnector">
+            <a:avLst/>
+          </a:prstGeom>
+          <a:solidFill>
+            <a:schemeClr val="tx1"/>
+          </a:solidFill>
+          <a:ln>
+            <a:solidFill>
+              <a:schemeClr val="tx1"/>
+            </a:solidFill>
+          </a:ln>
+        </p:spPr>
+        <p:style>
+          <a:lnRef idx="2">
+            <a:schemeClr val="accent1">
+              <a:shade val="50000"/>
+            </a:schemeClr>
+          </a:lnRef>
+          <a:fillRef idx="1">
+            <a:schemeClr val="accent1"/>
+          </a:fillRef>
+          <a:effectRef idx="0">
+            <a:schemeClr val="accent1"/>
+          </a:effectRef>
+          <a:fontRef idx="minor">
+            <a:schemeClr val="lt1"/>
+          </a:fontRef>
+        </p:style>
+        <p:txBody>
+          <a:bodyPr rtlCol="0" anchor="ctr"/>
+          <a:lstStyle/>
+          <a:p>
+            <a:pPr algn="ctr"/>
+            <a:endParaRPr lang="fr-CH"/>
+          </a:p>
+        </p:txBody>
+      </p:sp>
+      <p:sp>
+        <p:nvSpPr>
+          <p:cNvPr id="28" name="Flowchart: Connector 79">
+            <a:extLst>
+              <a:ext uri="{FF2B5EF4-FFF2-40B4-BE49-F238E27FC236}">
+                <a16:creationId xmlns:a16="http://schemas.microsoft.com/office/drawing/2014/main" id="{0B06A61F-2F51-4817-B93C-9605E60E60CC}"/>
+              </a:ext>
+            </a:extLst>
+          </p:cNvPr>
+          <p:cNvSpPr/>
+          <p:nvPr/>
+        </p:nvSpPr>
+        <p:spPr>
+          <a:xfrm>
+            <a:off x="4029740" y="2721593"/>
+            <a:ext cx="86517" cy="88358"/>
+          </a:xfrm>
+          <a:prstGeom prst="flowChartConnector">
+            <a:avLst/>
+          </a:prstGeom>
+          <a:solidFill>
+            <a:schemeClr val="tx1"/>
+          </a:solidFill>
+          <a:ln>
+            <a:solidFill>
+              <a:schemeClr val="tx1"/>
+            </a:solidFill>
+          </a:ln>
+        </p:spPr>
+        <p:style>
+          <a:lnRef idx="2">
+            <a:schemeClr val="accent1">
+              <a:shade val="50000"/>
+            </a:schemeClr>
+          </a:lnRef>
+          <a:fillRef idx="1">
+            <a:schemeClr val="accent1"/>
+          </a:fillRef>
+          <a:effectRef idx="0">
+            <a:schemeClr val="accent1"/>
+          </a:effectRef>
+          <a:fontRef idx="minor">
+            <a:schemeClr val="lt1"/>
+          </a:fontRef>
+        </p:style>
+        <p:txBody>
+          <a:bodyPr rtlCol="0" anchor="ctr"/>
+          <a:lstStyle/>
+          <a:p>
+            <a:pPr algn="ctr"/>
+            <a:endParaRPr lang="fr-CH"/>
+          </a:p>
+        </p:txBody>
+      </p:sp>
+      <p:sp>
+        <p:nvSpPr>
+          <p:cNvPr id="29" name="Flowchart: Connector 80">
+            <a:extLst>
+              <a:ext uri="{FF2B5EF4-FFF2-40B4-BE49-F238E27FC236}">
+                <a16:creationId xmlns:a16="http://schemas.microsoft.com/office/drawing/2014/main" id="{5E864C39-DEE5-4DB7-AA37-928D8AED2319}"/>
+              </a:ext>
+            </a:extLst>
+          </p:cNvPr>
+          <p:cNvSpPr/>
+          <p:nvPr/>
+        </p:nvSpPr>
+        <p:spPr>
+          <a:xfrm>
+            <a:off x="5755332" y="2693769"/>
+            <a:ext cx="86517" cy="88358"/>
+          </a:xfrm>
+          <a:prstGeom prst="flowChartConnector">
+            <a:avLst/>
+          </a:prstGeom>
+          <a:solidFill>
+            <a:schemeClr val="tx1"/>
+          </a:solidFill>
+          <a:ln>
+            <a:solidFill>
+              <a:schemeClr val="tx1"/>
+            </a:solidFill>
+          </a:ln>
+        </p:spPr>
+        <p:style>
+          <a:lnRef idx="2">
+            <a:schemeClr val="accent1">
+              <a:shade val="50000"/>
+            </a:schemeClr>
+          </a:lnRef>
+          <a:fillRef idx="1">
+            <a:schemeClr val="accent1"/>
+          </a:fillRef>
+          <a:effectRef idx="0">
+            <a:schemeClr val="accent1"/>
+          </a:effectRef>
+          <a:fontRef idx="minor">
+            <a:schemeClr val="lt1"/>
+          </a:fontRef>
+        </p:style>
+        <p:txBody>
+          <a:bodyPr rtlCol="0" anchor="ctr"/>
+          <a:lstStyle/>
+          <a:p>
+            <a:pPr algn="ctr"/>
+            <a:endParaRPr lang="fr-CH"/>
+          </a:p>
+        </p:txBody>
+      </p:sp>
+      <p:sp>
+        <p:nvSpPr>
+          <p:cNvPr id="30" name="Flowchart: Connector 88">
+            <a:extLst>
+              <a:ext uri="{FF2B5EF4-FFF2-40B4-BE49-F238E27FC236}">
+                <a16:creationId xmlns:a16="http://schemas.microsoft.com/office/drawing/2014/main" id="{6F439880-EF98-4C7F-846B-6E0E67223E19}"/>
+              </a:ext>
+            </a:extLst>
+          </p:cNvPr>
+          <p:cNvSpPr/>
+          <p:nvPr/>
+        </p:nvSpPr>
+        <p:spPr>
+          <a:xfrm rot="787897">
+            <a:off x="6043655" y="3729112"/>
+            <a:ext cx="86517" cy="88358"/>
+          </a:xfrm>
+          <a:prstGeom prst="flowChartConnector">
+            <a:avLst/>
+          </a:prstGeom>
+          <a:solidFill>
+            <a:srgbClr val="FF0000"/>
+          </a:solidFill>
+          <a:ln>
+            <a:solidFill>
+              <a:schemeClr val="tx1"/>
+            </a:solidFill>
+          </a:ln>
+        </p:spPr>
+        <p:style>
+          <a:lnRef idx="2">
+            <a:schemeClr val="accent1">
+              <a:shade val="50000"/>
+            </a:schemeClr>
+          </a:lnRef>
+          <a:fillRef idx="1">
+            <a:schemeClr val="accent1"/>
+          </a:fillRef>
+          <a:effectRef idx="0">
+            <a:schemeClr val="accent1"/>
+          </a:effectRef>
+          <a:fontRef idx="minor">
+            <a:schemeClr val="lt1"/>
+          </a:fontRef>
+        </p:style>
+        <p:txBody>
+          <a:bodyPr rtlCol="0" anchor="ctr"/>
+          <a:lstStyle/>
+          <a:p>
+            <a:pPr algn="ctr"/>
+            <a:endParaRPr lang="fr-CH"/>
+          </a:p>
+        </p:txBody>
+      </p:sp>
+      <p:sp>
+        <p:nvSpPr>
+          <p:cNvPr id="31" name="Flowchart: Connector 89">
+            <a:extLst>
+              <a:ext uri="{FF2B5EF4-FFF2-40B4-BE49-F238E27FC236}">
+                <a16:creationId xmlns:a16="http://schemas.microsoft.com/office/drawing/2014/main" id="{7F032265-9769-4988-BC3D-CB96D72C7375}"/>
+              </a:ext>
+            </a:extLst>
+          </p:cNvPr>
+          <p:cNvSpPr/>
+          <p:nvPr/>
+        </p:nvSpPr>
+        <p:spPr>
+          <a:xfrm rot="787897">
+            <a:off x="3607459" y="3860805"/>
+            <a:ext cx="86517" cy="88358"/>
+          </a:xfrm>
+          <a:prstGeom prst="flowChartConnector">
+            <a:avLst/>
+          </a:prstGeom>
+          <a:solidFill>
+            <a:srgbClr val="FF0000"/>
+          </a:solidFill>
+          <a:ln>
+            <a:solidFill>
+              <a:schemeClr val="tx1"/>
+            </a:solidFill>
+          </a:ln>
+        </p:spPr>
+        <p:style>
+          <a:lnRef idx="2">
+            <a:schemeClr val="accent1">
+              <a:shade val="50000"/>
+            </a:schemeClr>
+          </a:lnRef>
+          <a:fillRef idx="1">
+            <a:schemeClr val="accent1"/>
+          </a:fillRef>
+          <a:effectRef idx="0">
+            <a:schemeClr val="accent1"/>
+          </a:effectRef>
+          <a:fontRef idx="minor">
+            <a:schemeClr val="lt1"/>
+          </a:fontRef>
+        </p:style>
+        <p:txBody>
+          <a:bodyPr rtlCol="0" anchor="ctr"/>
+          <a:lstStyle/>
+          <a:p>
+            <a:pPr algn="ctr"/>
+            <a:endParaRPr lang="fr-CH"/>
+          </a:p>
+        </p:txBody>
+      </p:sp>
+      <p:sp>
+        <p:nvSpPr>
+          <p:cNvPr id="32" name="Flowchart: Connector 90">
+            <a:extLst>
+              <a:ext uri="{FF2B5EF4-FFF2-40B4-BE49-F238E27FC236}">
+                <a16:creationId xmlns:a16="http://schemas.microsoft.com/office/drawing/2014/main" id="{C2F60D6A-6CBF-46F4-980B-8880CFF31256}"/>
+              </a:ext>
+            </a:extLst>
+          </p:cNvPr>
+          <p:cNvSpPr/>
+          <p:nvPr/>
+        </p:nvSpPr>
+        <p:spPr>
+          <a:xfrm rot="787897">
+            <a:off x="6117455" y="3566567"/>
+            <a:ext cx="86517" cy="88358"/>
+          </a:xfrm>
+          <a:prstGeom prst="flowChartConnector">
+            <a:avLst/>
+          </a:prstGeom>
+          <a:solidFill>
+            <a:srgbClr val="FF0000"/>
+          </a:solidFill>
+          <a:ln>
+            <a:solidFill>
+              <a:schemeClr val="tx1"/>
+            </a:solidFill>
+          </a:ln>
+        </p:spPr>
+        <p:style>
+          <a:lnRef idx="2">
+            <a:schemeClr val="accent1">
+              <a:shade val="50000"/>
+            </a:schemeClr>
+          </a:lnRef>
+          <a:fillRef idx="1">
+            <a:schemeClr val="accent1"/>
+          </a:fillRef>
+          <a:effectRef idx="0">
+            <a:schemeClr val="accent1"/>
+          </a:effectRef>
+          <a:fontRef idx="minor">
+            <a:schemeClr val="lt1"/>
+          </a:fontRef>
+        </p:style>
+        <p:txBody>
+          <a:bodyPr rtlCol="0" anchor="ctr"/>
+          <a:lstStyle/>
+          <a:p>
+            <a:pPr algn="ctr"/>
+            <a:endParaRPr lang="fr-CH"/>
+          </a:p>
+        </p:txBody>
+      </p:sp>
+      <p:sp>
+        <p:nvSpPr>
+          <p:cNvPr id="33" name="Flowchart: Connector 91">
+            <a:extLst>
+              <a:ext uri="{FF2B5EF4-FFF2-40B4-BE49-F238E27FC236}">
+                <a16:creationId xmlns:a16="http://schemas.microsoft.com/office/drawing/2014/main" id="{FBA0FCB5-B8C9-45AC-A9DC-C29B828A892B}"/>
+              </a:ext>
+            </a:extLst>
+          </p:cNvPr>
+          <p:cNvSpPr/>
+          <p:nvPr/>
+        </p:nvSpPr>
+        <p:spPr>
+          <a:xfrm rot="787897">
+            <a:off x="5575988" y="3558574"/>
+            <a:ext cx="86517" cy="88358"/>
+          </a:xfrm>
+          <a:prstGeom prst="flowChartConnector">
+            <a:avLst/>
+          </a:prstGeom>
+          <a:solidFill>
+            <a:srgbClr val="FF0000"/>
+          </a:solidFill>
+          <a:ln>
+            <a:solidFill>
+              <a:schemeClr val="tx1"/>
+            </a:solidFill>
+          </a:ln>
+        </p:spPr>
+        <p:style>
+          <a:lnRef idx="2">
+            <a:schemeClr val="accent1">
+              <a:shade val="50000"/>
+            </a:schemeClr>
+          </a:lnRef>
+          <a:fillRef idx="1">
+            <a:schemeClr val="accent1"/>
+          </a:fillRef>
+          <a:effectRef idx="0">
+            <a:schemeClr val="accent1"/>
+          </a:effectRef>
+          <a:fontRef idx="minor">
+            <a:schemeClr val="lt1"/>
+          </a:fontRef>
+        </p:style>
+        <p:txBody>
+          <a:bodyPr rtlCol="0" anchor="ctr"/>
+          <a:lstStyle/>
+          <a:p>
+            <a:pPr algn="ctr"/>
+            <a:endParaRPr lang="fr-CH"/>
+          </a:p>
+        </p:txBody>
+      </p:sp>
+      <p:sp>
+        <p:nvSpPr>
+          <p:cNvPr id="34" name="Flowchart: Connector 92">
+            <a:extLst>
+              <a:ext uri="{FF2B5EF4-FFF2-40B4-BE49-F238E27FC236}">
+                <a16:creationId xmlns:a16="http://schemas.microsoft.com/office/drawing/2014/main" id="{2D5B595E-C83A-45B9-AEF7-B6BE7A9A665F}"/>
+              </a:ext>
+            </a:extLst>
+          </p:cNvPr>
+          <p:cNvSpPr/>
+          <p:nvPr/>
+        </p:nvSpPr>
+        <p:spPr>
+          <a:xfrm rot="787897">
+            <a:off x="3549388" y="3715342"/>
+            <a:ext cx="62439" cy="84773"/>
+          </a:xfrm>
+          <a:prstGeom prst="flowChartConnector">
+            <a:avLst/>
+          </a:prstGeom>
+          <a:solidFill>
+            <a:srgbClr val="FF0000"/>
+          </a:solidFill>
+          <a:ln>
+            <a:solidFill>
+              <a:schemeClr val="tx1"/>
+            </a:solidFill>
+          </a:ln>
+        </p:spPr>
+        <p:style>
+          <a:lnRef idx="2">
+            <a:schemeClr val="accent1">
+              <a:shade val="50000"/>
+            </a:schemeClr>
+          </a:lnRef>
+          <a:fillRef idx="1">
+            <a:schemeClr val="accent1"/>
+          </a:fillRef>
+          <a:effectRef idx="0">
+            <a:schemeClr val="accent1"/>
+          </a:effectRef>
+          <a:fontRef idx="minor">
+            <a:schemeClr val="lt1"/>
+          </a:fontRef>
+        </p:style>
+        <p:txBody>
+          <a:bodyPr rtlCol="0" anchor="ctr"/>
+          <a:lstStyle/>
+          <a:p>
+            <a:pPr algn="ctr"/>
+            <a:endParaRPr lang="fr-CH"/>
+          </a:p>
+        </p:txBody>
+      </p:sp>
+      <p:sp>
+        <p:nvSpPr>
+          <p:cNvPr id="35" name="Flowchart: Connector 93">
+            <a:extLst>
+              <a:ext uri="{FF2B5EF4-FFF2-40B4-BE49-F238E27FC236}">
+                <a16:creationId xmlns:a16="http://schemas.microsoft.com/office/drawing/2014/main" id="{9BD654B2-DDA4-4064-9172-7FEC548223BA}"/>
+              </a:ext>
+            </a:extLst>
+          </p:cNvPr>
+          <p:cNvSpPr/>
+          <p:nvPr/>
+        </p:nvSpPr>
+        <p:spPr>
+          <a:xfrm rot="787897">
+            <a:off x="6263249" y="3680300"/>
+            <a:ext cx="86517" cy="88358"/>
+          </a:xfrm>
+          <a:prstGeom prst="flowChartConnector">
+            <a:avLst/>
+          </a:prstGeom>
+          <a:solidFill>
+            <a:srgbClr val="FF0000"/>
+          </a:solidFill>
+          <a:ln>
+            <a:solidFill>
+              <a:schemeClr val="tx1"/>
+            </a:solidFill>
+          </a:ln>
+        </p:spPr>
+        <p:style>
+          <a:lnRef idx="2">
+            <a:schemeClr val="accent1">
+              <a:shade val="50000"/>
+            </a:schemeClr>
+          </a:lnRef>
+          <a:fillRef idx="1">
+            <a:schemeClr val="accent1"/>
+          </a:fillRef>
+          <a:effectRef idx="0">
+            <a:schemeClr val="accent1"/>
+          </a:effectRef>
+          <a:fontRef idx="minor">
+            <a:schemeClr val="lt1"/>
+          </a:fontRef>
+        </p:style>
+        <p:txBody>
+          <a:bodyPr rtlCol="0" anchor="ctr"/>
+          <a:lstStyle/>
+          <a:p>
+            <a:pPr algn="ctr"/>
+            <a:endParaRPr lang="fr-CH"/>
+          </a:p>
+        </p:txBody>
+      </p:sp>
+      <p:sp>
+        <p:nvSpPr>
+          <p:cNvPr id="36" name="Flowchart: Connector 94">
+            <a:extLst>
+              <a:ext uri="{FF2B5EF4-FFF2-40B4-BE49-F238E27FC236}">
+                <a16:creationId xmlns:a16="http://schemas.microsoft.com/office/drawing/2014/main" id="{1641441F-812E-46EE-B5B3-7C670F0977C7}"/>
+              </a:ext>
+            </a:extLst>
+          </p:cNvPr>
+          <p:cNvSpPr/>
+          <p:nvPr/>
+        </p:nvSpPr>
+        <p:spPr>
+          <a:xfrm rot="787897">
+            <a:off x="3461511" y="3759594"/>
+            <a:ext cx="86517" cy="88358"/>
+          </a:xfrm>
+          <a:prstGeom prst="flowChartConnector">
+            <a:avLst/>
+          </a:prstGeom>
+          <a:solidFill>
+            <a:srgbClr val="FF0000"/>
+          </a:solidFill>
+          <a:ln>
+            <a:solidFill>
+              <a:schemeClr val="tx1"/>
+            </a:solidFill>
+          </a:ln>
+        </p:spPr>
+        <p:style>
+          <a:lnRef idx="2">
+            <a:schemeClr val="accent1">
+              <a:shade val="50000"/>
+            </a:schemeClr>
+          </a:lnRef>
+          <a:fillRef idx="1">
+            <a:schemeClr val="accent1"/>
+          </a:fillRef>
+          <a:effectRef idx="0">
+            <a:schemeClr val="accent1"/>
+          </a:effectRef>
+          <a:fontRef idx="minor">
+            <a:schemeClr val="lt1"/>
+          </a:fontRef>
+        </p:style>
+        <p:txBody>
+          <a:bodyPr rtlCol="0" anchor="ctr"/>
+          <a:lstStyle/>
+          <a:p>
+            <a:pPr algn="ctr"/>
+            <a:endParaRPr lang="fr-CH"/>
+          </a:p>
+        </p:txBody>
+      </p:sp>
+      <p:sp>
+        <p:nvSpPr>
+          <p:cNvPr id="37" name="Flowchart: Connector 95">
+            <a:extLst>
+              <a:ext uri="{FF2B5EF4-FFF2-40B4-BE49-F238E27FC236}">
+                <a16:creationId xmlns:a16="http://schemas.microsoft.com/office/drawing/2014/main" id="{73E22C8D-079A-413A-9E09-F87F68F5483B}"/>
+              </a:ext>
+            </a:extLst>
+          </p:cNvPr>
+          <p:cNvSpPr/>
+          <p:nvPr/>
+        </p:nvSpPr>
+        <p:spPr>
+          <a:xfrm rot="787897">
+            <a:off x="3461511" y="3691587"/>
+            <a:ext cx="86517" cy="88358"/>
+          </a:xfrm>
+          <a:prstGeom prst="flowChartConnector">
+            <a:avLst/>
+          </a:prstGeom>
+          <a:solidFill>
+            <a:srgbClr val="FF0000"/>
+          </a:solidFill>
+          <a:ln>
+            <a:solidFill>
+              <a:schemeClr val="tx1"/>
+            </a:solidFill>
+          </a:ln>
+        </p:spPr>
+        <p:style>
+          <a:lnRef idx="2">
+            <a:schemeClr val="accent1">
+              <a:shade val="50000"/>
+            </a:schemeClr>
+          </a:lnRef>
+          <a:fillRef idx="1">
+            <a:schemeClr val="accent1"/>
+          </a:fillRef>
+          <a:effectRef idx="0">
+            <a:schemeClr val="accent1"/>
+          </a:effectRef>
+          <a:fontRef idx="minor">
+            <a:schemeClr val="lt1"/>
+          </a:fontRef>
+        </p:style>
+        <p:txBody>
+          <a:bodyPr rtlCol="0" anchor="ctr"/>
+          <a:lstStyle/>
+          <a:p>
+            <a:pPr algn="ctr"/>
+            <a:endParaRPr lang="fr-CH"/>
+          </a:p>
+        </p:txBody>
+      </p:sp>
+      <p:sp>
+        <p:nvSpPr>
+          <p:cNvPr id="38" name="Flowchart: Connector 96">
+            <a:extLst>
+              <a:ext uri="{FF2B5EF4-FFF2-40B4-BE49-F238E27FC236}">
+                <a16:creationId xmlns:a16="http://schemas.microsoft.com/office/drawing/2014/main" id="{1148897A-24E0-4EC2-8FD3-C6ABCEC730A1}"/>
+              </a:ext>
+            </a:extLst>
+          </p:cNvPr>
+          <p:cNvSpPr/>
+          <p:nvPr/>
+        </p:nvSpPr>
+        <p:spPr>
+          <a:xfrm rot="787897">
+            <a:off x="3773548" y="3501503"/>
+            <a:ext cx="86517" cy="88358"/>
+          </a:xfrm>
+          <a:prstGeom prst="flowChartConnector">
+            <a:avLst/>
+          </a:prstGeom>
+          <a:solidFill>
+            <a:srgbClr val="FF0000"/>
+          </a:solidFill>
+          <a:ln>
+            <a:solidFill>
+              <a:schemeClr val="tx1"/>
+            </a:solidFill>
+          </a:ln>
+        </p:spPr>
+        <p:style>
+          <a:lnRef idx="2">
+            <a:schemeClr val="accent1">
+              <a:shade val="50000"/>
+            </a:schemeClr>
+          </a:lnRef>
+          <a:fillRef idx="1">
+            <a:schemeClr val="accent1"/>
+          </a:fillRef>
+          <a:effectRef idx="0">
+            <a:schemeClr val="accent1"/>
+          </a:effectRef>
+          <a:fontRef idx="minor">
+            <a:schemeClr val="lt1"/>
+          </a:fontRef>
+        </p:style>
+        <p:txBody>
+          <a:bodyPr rtlCol="0" anchor="ctr"/>
+          <a:lstStyle/>
+          <a:p>
+            <a:pPr algn="ctr"/>
+            <a:endParaRPr lang="fr-CH"/>
+          </a:p>
+        </p:txBody>
+      </p:sp>
+      <p:sp>
+        <p:nvSpPr>
+          <p:cNvPr id="39" name="Flowchart: Connector 97">
+            <a:extLst>
+              <a:ext uri="{FF2B5EF4-FFF2-40B4-BE49-F238E27FC236}">
+                <a16:creationId xmlns:a16="http://schemas.microsoft.com/office/drawing/2014/main" id="{EE2D57C7-AEB8-432A-AFE5-32FC6610E482}"/>
+              </a:ext>
+            </a:extLst>
+          </p:cNvPr>
+          <p:cNvSpPr/>
+          <p:nvPr/>
+        </p:nvSpPr>
+        <p:spPr>
+          <a:xfrm rot="787897">
+            <a:off x="5956370" y="3562498"/>
+            <a:ext cx="86517" cy="88358"/>
+          </a:xfrm>
+          <a:prstGeom prst="flowChartConnector">
+            <a:avLst/>
+          </a:prstGeom>
+          <a:solidFill>
+            <a:srgbClr val="FF0000"/>
+          </a:solidFill>
+          <a:ln>
+            <a:solidFill>
+              <a:schemeClr val="tx1"/>
+            </a:solidFill>
+          </a:ln>
+        </p:spPr>
+        <p:style>
+          <a:lnRef idx="2">
+            <a:schemeClr val="accent1">
+              <a:shade val="50000"/>
+            </a:schemeClr>
+          </a:lnRef>
+          <a:fillRef idx="1">
+            <a:schemeClr val="accent1"/>
+          </a:fillRef>
+          <a:effectRef idx="0">
+            <a:schemeClr val="accent1"/>
+          </a:effectRef>
+          <a:fontRef idx="minor">
+            <a:schemeClr val="lt1"/>
+          </a:fontRef>
+        </p:style>
+        <p:txBody>
+          <a:bodyPr rtlCol="0" anchor="ctr"/>
+          <a:lstStyle/>
+          <a:p>
+            <a:pPr algn="ctr"/>
+            <a:endParaRPr lang="fr-CH"/>
+          </a:p>
+        </p:txBody>
+      </p:sp>
+      <p:sp>
+        <p:nvSpPr>
+          <p:cNvPr id="40" name="Flowchart: Connector 98">
+            <a:extLst>
+              <a:ext uri="{FF2B5EF4-FFF2-40B4-BE49-F238E27FC236}">
+                <a16:creationId xmlns:a16="http://schemas.microsoft.com/office/drawing/2014/main" id="{FEB5A2C7-2986-46CC-908A-2B828E7318EA}"/>
+              </a:ext>
+            </a:extLst>
+          </p:cNvPr>
+          <p:cNvSpPr/>
+          <p:nvPr/>
+        </p:nvSpPr>
+        <p:spPr>
+          <a:xfrm rot="787897">
+            <a:off x="3432025" y="3799632"/>
+            <a:ext cx="86517" cy="88358"/>
+          </a:xfrm>
+          <a:prstGeom prst="flowChartConnector">
+            <a:avLst/>
+          </a:prstGeom>
+          <a:solidFill>
+            <a:srgbClr val="FF0000"/>
+          </a:solidFill>
+          <a:ln>
+            <a:solidFill>
+              <a:schemeClr val="tx1"/>
+            </a:solidFill>
+          </a:ln>
+        </p:spPr>
+        <p:style>
+          <a:lnRef idx="2">
+            <a:schemeClr val="accent1">
+              <a:shade val="50000"/>
+            </a:schemeClr>
+          </a:lnRef>
+          <a:fillRef idx="1">
+            <a:schemeClr val="accent1"/>
+          </a:fillRef>
+          <a:effectRef idx="0">
+            <a:schemeClr val="accent1"/>
+          </a:effectRef>
+          <a:fontRef idx="minor">
+            <a:schemeClr val="lt1"/>
+          </a:fontRef>
+        </p:style>
+        <p:txBody>
+          <a:bodyPr rtlCol="0" anchor="ctr"/>
+          <a:lstStyle/>
+          <a:p>
+            <a:pPr algn="ctr"/>
+            <a:endParaRPr lang="fr-CH"/>
+          </a:p>
+        </p:txBody>
+      </p:sp>
+      <p:sp>
+        <p:nvSpPr>
+          <p:cNvPr id="41" name="Flowchart: Connector 99">
+            <a:extLst>
+              <a:ext uri="{FF2B5EF4-FFF2-40B4-BE49-F238E27FC236}">
+                <a16:creationId xmlns:a16="http://schemas.microsoft.com/office/drawing/2014/main" id="{3D34C8E8-EA9D-4FBD-B08D-B8EC2348DCC2}"/>
+              </a:ext>
+            </a:extLst>
+          </p:cNvPr>
+          <p:cNvSpPr/>
+          <p:nvPr/>
+        </p:nvSpPr>
+        <p:spPr>
+          <a:xfrm rot="787897">
+            <a:off x="4536422" y="3457324"/>
+            <a:ext cx="86517" cy="88358"/>
+          </a:xfrm>
+          <a:prstGeom prst="flowChartConnector">
+            <a:avLst/>
+          </a:prstGeom>
+          <a:solidFill>
+            <a:srgbClr val="FF0000"/>
+          </a:solidFill>
+          <a:ln>
+            <a:solidFill>
+              <a:schemeClr val="tx1"/>
+            </a:solidFill>
+          </a:ln>
+        </p:spPr>
+        <p:style>
+          <a:lnRef idx="2">
+            <a:schemeClr val="accent1">
+              <a:shade val="50000"/>
+            </a:schemeClr>
+          </a:lnRef>
+          <a:fillRef idx="1">
+            <a:schemeClr val="accent1"/>
+          </a:fillRef>
+          <a:effectRef idx="0">
+            <a:schemeClr val="accent1"/>
+          </a:effectRef>
+          <a:fontRef idx="minor">
+            <a:schemeClr val="lt1"/>
+          </a:fontRef>
+        </p:style>
+        <p:txBody>
+          <a:bodyPr rtlCol="0" anchor="ctr"/>
+          <a:lstStyle/>
+          <a:p>
+            <a:pPr algn="ctr"/>
+            <a:endParaRPr lang="fr-CH"/>
+          </a:p>
+        </p:txBody>
+      </p:sp>
+      <p:sp>
+        <p:nvSpPr>
+          <p:cNvPr id="42" name="Flowchart: Connector 100">
+            <a:extLst>
+              <a:ext uri="{FF2B5EF4-FFF2-40B4-BE49-F238E27FC236}">
+                <a16:creationId xmlns:a16="http://schemas.microsoft.com/office/drawing/2014/main" id="{8F91AC50-2675-46DA-A9E2-9CD644A5BBF9}"/>
+              </a:ext>
+            </a:extLst>
+          </p:cNvPr>
+          <p:cNvSpPr/>
+          <p:nvPr/>
+        </p:nvSpPr>
+        <p:spPr>
+          <a:xfrm rot="787897">
+            <a:off x="3551639" y="3876456"/>
+            <a:ext cx="86517" cy="88358"/>
+          </a:xfrm>
+          <a:prstGeom prst="flowChartConnector">
+            <a:avLst/>
+          </a:prstGeom>
+          <a:solidFill>
+            <a:srgbClr val="FF0000"/>
+          </a:solidFill>
+          <a:ln>
+            <a:solidFill>
+              <a:schemeClr val="tx1"/>
+            </a:solidFill>
+          </a:ln>
+        </p:spPr>
+        <p:style>
+          <a:lnRef idx="2">
+            <a:schemeClr val="accent1">
+              <a:shade val="50000"/>
+            </a:schemeClr>
+          </a:lnRef>
+          <a:fillRef idx="1">
+            <a:schemeClr val="accent1"/>
+          </a:fillRef>
+          <a:effectRef idx="0">
+            <a:schemeClr val="accent1"/>
+          </a:effectRef>
+          <a:fontRef idx="minor">
+            <a:schemeClr val="lt1"/>
+          </a:fontRef>
+        </p:style>
+        <p:txBody>
+          <a:bodyPr rtlCol="0" anchor="ctr"/>
+          <a:lstStyle/>
+          <a:p>
+            <a:pPr algn="ctr"/>
+            <a:endParaRPr lang="fr-CH"/>
+          </a:p>
+        </p:txBody>
+      </p:sp>
+      <p:sp>
+        <p:nvSpPr>
+          <p:cNvPr id="45" name="Flowchart: Connector 103">
+            <a:extLst>
+              <a:ext uri="{FF2B5EF4-FFF2-40B4-BE49-F238E27FC236}">
+                <a16:creationId xmlns:a16="http://schemas.microsoft.com/office/drawing/2014/main" id="{6884D446-0E50-4215-9A05-845F346E129E}"/>
+              </a:ext>
+            </a:extLst>
+          </p:cNvPr>
+          <p:cNvSpPr/>
+          <p:nvPr/>
+        </p:nvSpPr>
+        <p:spPr>
+          <a:xfrm rot="787897">
+            <a:off x="6197095" y="3596253"/>
+            <a:ext cx="86517" cy="88358"/>
+          </a:xfrm>
+          <a:prstGeom prst="flowChartConnector">
+            <a:avLst/>
+          </a:prstGeom>
+          <a:solidFill>
+            <a:srgbClr val="FF0000"/>
+          </a:solidFill>
+          <a:ln>
+            <a:solidFill>
+              <a:schemeClr val="tx1"/>
+            </a:solidFill>
+          </a:ln>
+        </p:spPr>
+        <p:style>
+          <a:lnRef idx="2">
+            <a:schemeClr val="accent1">
+              <a:shade val="50000"/>
+            </a:schemeClr>
+          </a:lnRef>
+          <a:fillRef idx="1">
+            <a:schemeClr val="accent1"/>
+          </a:fillRef>
+          <a:effectRef idx="0">
+            <a:schemeClr val="accent1"/>
+          </a:effectRef>
+          <a:fontRef idx="minor">
+            <a:schemeClr val="lt1"/>
+          </a:fontRef>
+        </p:style>
+        <p:txBody>
+          <a:bodyPr rtlCol="0" anchor="ctr"/>
+          <a:lstStyle/>
+          <a:p>
+            <a:pPr algn="ctr"/>
+            <a:endParaRPr lang="fr-CH"/>
+          </a:p>
+        </p:txBody>
+      </p:sp>
+      <p:sp>
+        <p:nvSpPr>
+          <p:cNvPr id="46" name="Flowchart: Connector 104">
+            <a:extLst>
+              <a:ext uri="{FF2B5EF4-FFF2-40B4-BE49-F238E27FC236}">
+                <a16:creationId xmlns:a16="http://schemas.microsoft.com/office/drawing/2014/main" id="{6580BDB2-190F-4184-88E7-1DC00444B347}"/>
+              </a:ext>
+            </a:extLst>
+          </p:cNvPr>
+          <p:cNvSpPr/>
+          <p:nvPr/>
+        </p:nvSpPr>
+        <p:spPr>
+          <a:xfrm rot="787897">
+            <a:off x="4435645" y="4053172"/>
+            <a:ext cx="86517" cy="88358"/>
+          </a:xfrm>
+          <a:prstGeom prst="flowChartConnector">
+            <a:avLst/>
+          </a:prstGeom>
+          <a:solidFill>
+            <a:srgbClr val="FF0000"/>
+          </a:solidFill>
+          <a:ln>
+            <a:solidFill>
+              <a:schemeClr val="tx1"/>
+            </a:solidFill>
+          </a:ln>
+        </p:spPr>
+        <p:style>
+          <a:lnRef idx="2">
+            <a:schemeClr val="accent1">
+              <a:shade val="50000"/>
+            </a:schemeClr>
+          </a:lnRef>
+          <a:fillRef idx="1">
+            <a:schemeClr val="accent1"/>
+          </a:fillRef>
+          <a:effectRef idx="0">
+            <a:schemeClr val="accent1"/>
+          </a:effectRef>
+          <a:fontRef idx="minor">
+            <a:schemeClr val="lt1"/>
+          </a:fontRef>
+        </p:style>
+        <p:txBody>
+          <a:bodyPr rtlCol="0" anchor="ctr"/>
+          <a:lstStyle/>
+          <a:p>
+            <a:pPr algn="ctr"/>
+            <a:endParaRPr lang="fr-CH"/>
+          </a:p>
+        </p:txBody>
+      </p:sp>
+      <p:sp>
+        <p:nvSpPr>
+          <p:cNvPr id="48" name="Flowchart: Connector 106">
+            <a:extLst>
+              <a:ext uri="{FF2B5EF4-FFF2-40B4-BE49-F238E27FC236}">
+                <a16:creationId xmlns:a16="http://schemas.microsoft.com/office/drawing/2014/main" id="{CFF2BC9F-7C5E-411E-A45F-F1DDE60EF8E9}"/>
+              </a:ext>
+            </a:extLst>
+          </p:cNvPr>
+          <p:cNvSpPr/>
+          <p:nvPr/>
+        </p:nvSpPr>
+        <p:spPr>
+          <a:xfrm rot="787897">
+            <a:off x="5685129" y="3847352"/>
+            <a:ext cx="86517" cy="88358"/>
+          </a:xfrm>
+          <a:prstGeom prst="flowChartConnector">
+            <a:avLst/>
+          </a:prstGeom>
+          <a:solidFill>
+            <a:srgbClr val="FF0000"/>
+          </a:solidFill>
+          <a:ln>
+            <a:solidFill>
+              <a:schemeClr val="tx1"/>
+            </a:solidFill>
+          </a:ln>
+        </p:spPr>
+        <p:style>
+          <a:lnRef idx="2">
+            <a:schemeClr val="accent1">
+              <a:shade val="50000"/>
+            </a:schemeClr>
+          </a:lnRef>
+          <a:fillRef idx="1">
+            <a:schemeClr val="accent1"/>
+          </a:fillRef>
+          <a:effectRef idx="0">
+            <a:schemeClr val="accent1"/>
+          </a:effectRef>
+          <a:fontRef idx="minor">
+            <a:schemeClr val="lt1"/>
+          </a:fontRef>
+        </p:style>
+        <p:txBody>
+          <a:bodyPr rtlCol="0" anchor="ctr"/>
+          <a:lstStyle/>
+          <a:p>
+            <a:pPr algn="ctr"/>
+            <a:endParaRPr lang="fr-CH"/>
+          </a:p>
+        </p:txBody>
+      </p:sp>
+      <p:sp>
+        <p:nvSpPr>
+          <p:cNvPr id="49" name="Flowchart: Connector 107">
+            <a:extLst>
+              <a:ext uri="{FF2B5EF4-FFF2-40B4-BE49-F238E27FC236}">
+                <a16:creationId xmlns:a16="http://schemas.microsoft.com/office/drawing/2014/main" id="{7707B6AF-E250-4A8A-A4C3-50B2A01D98DB}"/>
+              </a:ext>
+            </a:extLst>
+          </p:cNvPr>
+          <p:cNvSpPr/>
+          <p:nvPr/>
+        </p:nvSpPr>
+        <p:spPr>
+          <a:xfrm rot="787897">
+            <a:off x="3513674" y="3862067"/>
+            <a:ext cx="86517" cy="88358"/>
+          </a:xfrm>
+          <a:prstGeom prst="flowChartConnector">
+            <a:avLst/>
+          </a:prstGeom>
+          <a:solidFill>
+            <a:srgbClr val="FF0000"/>
+          </a:solidFill>
+          <a:ln>
+            <a:solidFill>
+              <a:schemeClr val="tx1"/>
+            </a:solidFill>
+          </a:ln>
+        </p:spPr>
+        <p:style>
+          <a:lnRef idx="2">
+            <a:schemeClr val="accent1">
+              <a:shade val="50000"/>
+            </a:schemeClr>
+          </a:lnRef>
+          <a:fillRef idx="1">
+            <a:schemeClr val="accent1"/>
+          </a:fillRef>
+          <a:effectRef idx="0">
+            <a:schemeClr val="accent1"/>
+          </a:effectRef>
+          <a:fontRef idx="minor">
+            <a:schemeClr val="lt1"/>
+          </a:fontRef>
+        </p:style>
+        <p:txBody>
+          <a:bodyPr rtlCol="0" anchor="ctr"/>
+          <a:lstStyle/>
+          <a:p>
+            <a:pPr algn="ctr"/>
+            <a:endParaRPr lang="fr-CH"/>
+          </a:p>
+        </p:txBody>
+      </p:sp>
+      <p:sp>
+        <p:nvSpPr>
+          <p:cNvPr id="50" name="Flowchart: Connector 108">
+            <a:extLst>
+              <a:ext uri="{FF2B5EF4-FFF2-40B4-BE49-F238E27FC236}">
+                <a16:creationId xmlns:a16="http://schemas.microsoft.com/office/drawing/2014/main" id="{12725C7B-9848-467A-8464-8BC91506142F}"/>
+              </a:ext>
+            </a:extLst>
+          </p:cNvPr>
+          <p:cNvSpPr/>
+          <p:nvPr/>
+        </p:nvSpPr>
+        <p:spPr>
+          <a:xfrm rot="787897">
+            <a:off x="3461510" y="3830333"/>
+            <a:ext cx="86517" cy="88358"/>
+          </a:xfrm>
+          <a:prstGeom prst="flowChartConnector">
+            <a:avLst/>
+          </a:prstGeom>
+          <a:solidFill>
+            <a:srgbClr val="FF0000"/>
+          </a:solidFill>
+          <a:ln>
+            <a:solidFill>
+              <a:schemeClr val="tx1"/>
+            </a:solidFill>
+          </a:ln>
+        </p:spPr>
+        <p:style>
+          <a:lnRef idx="2">
+            <a:schemeClr val="accent1">
+              <a:shade val="50000"/>
+            </a:schemeClr>
+          </a:lnRef>
+          <a:fillRef idx="1">
+            <a:schemeClr val="accent1"/>
+          </a:fillRef>
+          <a:effectRef idx="0">
+            <a:schemeClr val="accent1"/>
+          </a:effectRef>
+          <a:fontRef idx="minor">
+            <a:schemeClr val="lt1"/>
+          </a:fontRef>
+        </p:style>
+        <p:txBody>
+          <a:bodyPr rtlCol="0" anchor="ctr"/>
+          <a:lstStyle/>
+          <a:p>
+            <a:pPr algn="ctr"/>
+            <a:endParaRPr lang="fr-CH"/>
+          </a:p>
+        </p:txBody>
+      </p:sp>
+      <p:sp>
+        <p:nvSpPr>
+          <p:cNvPr id="51" name="Flowchart: Connector 109">
+            <a:extLst>
+              <a:ext uri="{FF2B5EF4-FFF2-40B4-BE49-F238E27FC236}">
+                <a16:creationId xmlns:a16="http://schemas.microsoft.com/office/drawing/2014/main" id="{2024B372-E0A6-4E2C-9DD7-B63CC056150D}"/>
+              </a:ext>
+            </a:extLst>
+          </p:cNvPr>
+          <p:cNvSpPr/>
+          <p:nvPr/>
+        </p:nvSpPr>
+        <p:spPr>
+          <a:xfrm rot="787897">
+            <a:off x="6134458" y="3662698"/>
+            <a:ext cx="86517" cy="88358"/>
+          </a:xfrm>
+          <a:prstGeom prst="flowChartConnector">
+            <a:avLst/>
+          </a:prstGeom>
+          <a:solidFill>
+            <a:srgbClr val="FF0000"/>
+          </a:solidFill>
+          <a:ln>
+            <a:solidFill>
+              <a:schemeClr val="tx1"/>
+            </a:solidFill>
+          </a:ln>
+        </p:spPr>
+        <p:style>
+          <a:lnRef idx="2">
+            <a:schemeClr val="accent1">
+              <a:shade val="50000"/>
+            </a:schemeClr>
+          </a:lnRef>
+          <a:fillRef idx="1">
+            <a:schemeClr val="accent1"/>
+          </a:fillRef>
+          <a:effectRef idx="0">
+            <a:schemeClr val="accent1"/>
+          </a:effectRef>
+          <a:fontRef idx="minor">
+            <a:schemeClr val="lt1"/>
+          </a:fontRef>
+        </p:style>
+        <p:txBody>
+          <a:bodyPr rtlCol="0" anchor="ctr"/>
+          <a:lstStyle/>
+          <a:p>
+            <a:pPr algn="ctr"/>
+            <a:endParaRPr lang="fr-CH"/>
+          </a:p>
+        </p:txBody>
+      </p:sp>
+      <p:sp>
+        <p:nvSpPr>
+          <p:cNvPr id="53" name="Flowchart: Connector 111">
+            <a:extLst>
+              <a:ext uri="{FF2B5EF4-FFF2-40B4-BE49-F238E27FC236}">
+                <a16:creationId xmlns:a16="http://schemas.microsoft.com/office/drawing/2014/main" id="{8304C910-9AFA-43D0-AA94-DC8F454E0DDE}"/>
+              </a:ext>
+            </a:extLst>
+          </p:cNvPr>
+          <p:cNvSpPr/>
+          <p:nvPr/>
+        </p:nvSpPr>
+        <p:spPr>
+          <a:xfrm rot="787897">
+            <a:off x="5412153" y="3860805"/>
+            <a:ext cx="86517" cy="88358"/>
+          </a:xfrm>
+          <a:prstGeom prst="flowChartConnector">
+            <a:avLst/>
+          </a:prstGeom>
+          <a:solidFill>
+            <a:srgbClr val="FF0000"/>
+          </a:solidFill>
+          <a:ln>
+            <a:solidFill>
+              <a:schemeClr val="tx1"/>
+            </a:solidFill>
+          </a:ln>
+        </p:spPr>
+        <p:style>
+          <a:lnRef idx="2">
+            <a:schemeClr val="accent1">
+              <a:shade val="50000"/>
+            </a:schemeClr>
+          </a:lnRef>
+          <a:fillRef idx="1">
+            <a:schemeClr val="accent1"/>
+          </a:fillRef>
+          <a:effectRef idx="0">
+            <a:schemeClr val="accent1"/>
+          </a:effectRef>
+          <a:fontRef idx="minor">
+            <a:schemeClr val="lt1"/>
+          </a:fontRef>
+        </p:style>
+        <p:txBody>
+          <a:bodyPr rtlCol="0" anchor="ctr"/>
+          <a:lstStyle/>
+          <a:p>
+            <a:pPr algn="ctr"/>
+            <a:endParaRPr lang="fr-CH"/>
+          </a:p>
+        </p:txBody>
+      </p:sp>
+      <p:sp>
+        <p:nvSpPr>
+          <p:cNvPr id="54" name="Flowchart: Connector 112">
+            <a:extLst>
+              <a:ext uri="{FF2B5EF4-FFF2-40B4-BE49-F238E27FC236}">
+                <a16:creationId xmlns:a16="http://schemas.microsoft.com/office/drawing/2014/main" id="{A6E21FCA-10DA-49A0-B966-C94547155364}"/>
+              </a:ext>
+            </a:extLst>
+          </p:cNvPr>
+          <p:cNvSpPr/>
+          <p:nvPr/>
+        </p:nvSpPr>
+        <p:spPr>
+          <a:xfrm>
+            <a:off x="6370453" y="2443618"/>
+            <a:ext cx="86517" cy="88358"/>
+          </a:xfrm>
+          <a:prstGeom prst="flowChartConnector">
+            <a:avLst/>
+          </a:prstGeom>
+          <a:solidFill>
+            <a:schemeClr val="tx1"/>
+          </a:solidFill>
+          <a:ln>
+            <a:solidFill>
+              <a:schemeClr val="tx1"/>
+            </a:solidFill>
+          </a:ln>
+        </p:spPr>
+        <p:style>
+          <a:lnRef idx="2">
+            <a:schemeClr val="accent1">
+              <a:shade val="50000"/>
+            </a:schemeClr>
+          </a:lnRef>
+          <a:fillRef idx="1">
+            <a:schemeClr val="accent1"/>
+          </a:fillRef>
+          <a:effectRef idx="0">
+            <a:schemeClr val="accent1"/>
+          </a:effectRef>
+          <a:fontRef idx="minor">
+            <a:schemeClr val="lt1"/>
+          </a:fontRef>
+        </p:style>
+        <p:txBody>
+          <a:bodyPr rtlCol="0" anchor="ctr"/>
+          <a:lstStyle/>
+          <a:p>
+            <a:pPr algn="ctr"/>
+            <a:endParaRPr lang="fr-CH"/>
+          </a:p>
+        </p:txBody>
+      </p:sp>
+      <p:sp>
+        <p:nvSpPr>
+          <p:cNvPr id="55" name="Flowchart: Connector 113">
+            <a:extLst>
+              <a:ext uri="{FF2B5EF4-FFF2-40B4-BE49-F238E27FC236}">
+                <a16:creationId xmlns:a16="http://schemas.microsoft.com/office/drawing/2014/main" id="{611A639C-8B28-4012-94D2-A5257488FDD6}"/>
+              </a:ext>
+            </a:extLst>
+          </p:cNvPr>
+          <p:cNvSpPr/>
+          <p:nvPr/>
+        </p:nvSpPr>
+        <p:spPr>
+          <a:xfrm>
+            <a:off x="6280753" y="2617073"/>
+            <a:ext cx="86517" cy="88358"/>
+          </a:xfrm>
+          <a:prstGeom prst="flowChartConnector">
+            <a:avLst/>
+          </a:prstGeom>
+          <a:solidFill>
+            <a:schemeClr val="tx1"/>
+          </a:solidFill>
+          <a:ln>
+            <a:solidFill>
+              <a:schemeClr val="tx1"/>
+            </a:solidFill>
+          </a:ln>
+        </p:spPr>
+        <p:style>
+          <a:lnRef idx="2">
+            <a:schemeClr val="accent1">
+              <a:shade val="50000"/>
+            </a:schemeClr>
+          </a:lnRef>
+          <a:fillRef idx="1">
+            <a:schemeClr val="accent1"/>
+          </a:fillRef>
+          <a:effectRef idx="0">
+            <a:schemeClr val="accent1"/>
+          </a:effectRef>
+          <a:fontRef idx="minor">
+            <a:schemeClr val="lt1"/>
+          </a:fontRef>
+        </p:style>
+        <p:txBody>
+          <a:bodyPr rtlCol="0" anchor="ctr"/>
+          <a:lstStyle/>
+          <a:p>
+            <a:pPr algn="ctr"/>
+            <a:endParaRPr lang="fr-CH"/>
+          </a:p>
+        </p:txBody>
+      </p:sp>
+      <p:sp>
+        <p:nvSpPr>
+          <p:cNvPr id="56" name="Flowchart: Connector 114">
+            <a:extLst>
+              <a:ext uri="{FF2B5EF4-FFF2-40B4-BE49-F238E27FC236}">
+                <a16:creationId xmlns:a16="http://schemas.microsoft.com/office/drawing/2014/main" id="{5FA1B4E8-0F0F-4705-8BC7-71358C7C2B52}"/>
+              </a:ext>
+            </a:extLst>
+          </p:cNvPr>
+          <p:cNvSpPr/>
+          <p:nvPr/>
+        </p:nvSpPr>
+        <p:spPr>
+          <a:xfrm rot="787897">
+            <a:off x="5939326" y="3758921"/>
+            <a:ext cx="86517" cy="88358"/>
+          </a:xfrm>
+          <a:prstGeom prst="flowChartConnector">
+            <a:avLst/>
+          </a:prstGeom>
+          <a:solidFill>
+            <a:srgbClr val="FF0000"/>
+          </a:solidFill>
+          <a:ln>
+            <a:solidFill>
+              <a:schemeClr val="tx1"/>
+            </a:solidFill>
+          </a:ln>
+        </p:spPr>
+        <p:style>
+          <a:lnRef idx="2">
+            <a:schemeClr val="accent1">
+              <a:shade val="50000"/>
+            </a:schemeClr>
+          </a:lnRef>
+          <a:fillRef idx="1">
+            <a:schemeClr val="accent1"/>
+          </a:fillRef>
+          <a:effectRef idx="0">
+            <a:schemeClr val="accent1"/>
+          </a:effectRef>
+          <a:fontRef idx="minor">
+            <a:schemeClr val="lt1"/>
+          </a:fontRef>
+        </p:style>
+        <p:txBody>
+          <a:bodyPr rtlCol="0" anchor="ctr"/>
+          <a:lstStyle/>
+          <a:p>
+            <a:pPr algn="ctr"/>
+            <a:endParaRPr lang="fr-CH"/>
+          </a:p>
+        </p:txBody>
+      </p:sp>
+      <p:sp>
+        <p:nvSpPr>
+          <p:cNvPr id="57" name="Flowchart: Connector 115">
+            <a:extLst>
+              <a:ext uri="{FF2B5EF4-FFF2-40B4-BE49-F238E27FC236}">
+                <a16:creationId xmlns:a16="http://schemas.microsoft.com/office/drawing/2014/main" id="{EECB5E3D-3BE8-480F-BDD7-57CCC299D039}"/>
+              </a:ext>
+            </a:extLst>
+          </p:cNvPr>
+          <p:cNvSpPr/>
+          <p:nvPr/>
+        </p:nvSpPr>
+        <p:spPr>
+          <a:xfrm rot="787897">
+            <a:off x="6027274" y="3566475"/>
+            <a:ext cx="86517" cy="88358"/>
+          </a:xfrm>
+          <a:prstGeom prst="flowChartConnector">
+            <a:avLst/>
+          </a:prstGeom>
+          <a:solidFill>
+            <a:srgbClr val="FF0000"/>
+          </a:solidFill>
+          <a:ln>
+            <a:solidFill>
+              <a:schemeClr val="tx1"/>
+            </a:solidFill>
+          </a:ln>
+        </p:spPr>
+        <p:style>
+          <a:lnRef idx="2">
+            <a:schemeClr val="accent1">
+              <a:shade val="50000"/>
+            </a:schemeClr>
+          </a:lnRef>
+          <a:fillRef idx="1">
+            <a:schemeClr val="accent1"/>
+          </a:fillRef>
+          <a:effectRef idx="0">
+            <a:schemeClr val="accent1"/>
+          </a:effectRef>
+          <a:fontRef idx="minor">
+            <a:schemeClr val="lt1"/>
+          </a:fontRef>
+        </p:style>
+        <p:txBody>
+          <a:bodyPr rtlCol="0" anchor="ctr"/>
+          <a:lstStyle/>
+          <a:p>
+            <a:pPr algn="ctr"/>
+            <a:endParaRPr lang="fr-CH"/>
+          </a:p>
+        </p:txBody>
+      </p:sp>
+      <p:cxnSp>
+        <p:nvCxnSpPr>
+          <p:cNvPr id="58" name="Straight Connector 116">
+            <a:extLst>
+              <a:ext uri="{FF2B5EF4-FFF2-40B4-BE49-F238E27FC236}">
+                <a16:creationId xmlns:a16="http://schemas.microsoft.com/office/drawing/2014/main" id="{EA16BC42-8D46-45A2-BAE4-11F1C44A7255}"/>
+              </a:ext>
+            </a:extLst>
+          </p:cNvPr>
+          <p:cNvCxnSpPr>
+            <a:cxnSpLocks/>
+          </p:cNvCxnSpPr>
+          <p:nvPr/>
+        </p:nvCxnSpPr>
+        <p:spPr>
+          <a:xfrm>
+            <a:off x="3242183" y="3143463"/>
+            <a:ext cx="3488735" cy="0"/>
+          </a:xfrm>
+          <a:prstGeom prst="line">
+            <a:avLst/>
+          </a:prstGeom>
+          <a:ln w="38100">
+            <a:solidFill>
+              <a:schemeClr val="tx1"/>
+            </a:solidFill>
+          </a:ln>
+        </p:spPr>
+        <p:style>
+          <a:lnRef idx="1">
+            <a:schemeClr val="accent1"/>
+          </a:lnRef>
+          <a:fillRef idx="0">
+            <a:schemeClr val="accent1"/>
+          </a:fillRef>
+          <a:effectRef idx="0">
+            <a:schemeClr val="accent1"/>
+          </a:effectRef>
+          <a:fontRef idx="minor">
+            <a:schemeClr val="tx1"/>
+          </a:fontRef>
+        </p:style>
+      </p:cxnSp>
     </p:spTree>
     <p:extLst>
       <p:ext uri="{BB962C8B-B14F-4D97-AF65-F5344CB8AC3E}">
